--- a/talk/Bayesian_Bandit_Ben_Hoyle.pptx
+++ b/talk/Bayesian_Bandit_Ben_Hoyle.pptx
@@ -5,7 +5,7 @@
     <p:sldMasterId id="2147483648" r:id="rId1"/>
   </p:sldMasterIdLst>
   <p:notesMasterIdLst>
-    <p:notesMasterId r:id="rId20"/>
+    <p:notesMasterId r:id="rId23"/>
   </p:notesMasterIdLst>
   <p:sldIdLst>
     <p:sldId id="262" r:id="rId2"/>
@@ -21,11 +21,14 @@
     <p:sldId id="1199" r:id="rId12"/>
     <p:sldId id="1188" r:id="rId13"/>
     <p:sldId id="1190" r:id="rId14"/>
-    <p:sldId id="1192" r:id="rId15"/>
-    <p:sldId id="1201" r:id="rId16"/>
-    <p:sldId id="319" r:id="rId17"/>
-    <p:sldId id="1202" r:id="rId18"/>
-    <p:sldId id="1200" r:id="rId19"/>
+    <p:sldId id="1206" r:id="rId15"/>
+    <p:sldId id="1192" r:id="rId16"/>
+    <p:sldId id="1205" r:id="rId17"/>
+    <p:sldId id="1201" r:id="rId18"/>
+    <p:sldId id="319" r:id="rId19"/>
+    <p:sldId id="1202" r:id="rId20"/>
+    <p:sldId id="1204" r:id="rId21"/>
+    <p:sldId id="1200" r:id="rId22"/>
   </p:sldIdLst>
   <p:sldSz cx="12192000" cy="6858000"/>
   <p:notesSz cx="6858000" cy="9144000"/>
@@ -132,6 +135,414 @@
 </p:presentation>
 </file>
 
+<file path=ppt/revisionInfo.xml><?xml version="1.0" encoding="utf-8"?>
+<p1510:revInfo xmlns:a="http://schemas.openxmlformats.org/drawingml/2006/main" xmlns:r="http://schemas.openxmlformats.org/officeDocument/2006/relationships" xmlns:p1510="http://schemas.microsoft.com/office/powerpoint/2015/10/main">
+  <p1510:revLst>
+    <p1510:client id="{64516248-E761-B34D-A3D7-1237C369E1A3}" v="16" dt="2020-08-19T09:26:36.576"/>
+  </p1510:revLst>
+</p1510:revInfo>
+</file>
+
+<file path=ppt/changesInfos/changesInfo1.xml><?xml version="1.0" encoding="utf-8"?>
+<pc:chgInfo xmlns:a="http://schemas.openxmlformats.org/drawingml/2006/main" xmlns:r="http://schemas.openxmlformats.org/officeDocument/2006/relationships" xmlns:ac="http://schemas.microsoft.com/office/drawing/2013/main/command" xmlns:pc="http://schemas.microsoft.com/office/powerpoint/2013/main/command">
+  <pc:docChgLst>
+    <pc:chgData name="Hoyle, Ben" userId="986671f7-5fe5-4614-a770-7c92854a2d5a" providerId="ADAL" clId="{64516248-E761-B34D-A3D7-1237C369E1A3}"/>
+    <pc:docChg chg="undo custSel addSld delSld modSld sldOrd">
+      <pc:chgData name="Hoyle, Ben" userId="986671f7-5fe5-4614-a770-7c92854a2d5a" providerId="ADAL" clId="{64516248-E761-B34D-A3D7-1237C369E1A3}" dt="2020-08-19T09:28:21.021" v="2119" actId="20577"/>
+      <pc:docMkLst>
+        <pc:docMk/>
+      </pc:docMkLst>
+      <pc:sldChg chg="modSp mod">
+        <pc:chgData name="Hoyle, Ben" userId="986671f7-5fe5-4614-a770-7c92854a2d5a" providerId="ADAL" clId="{64516248-E761-B34D-A3D7-1237C369E1A3}" dt="2020-08-19T07:50:10.185" v="54" actId="1076"/>
+        <pc:sldMkLst>
+          <pc:docMk/>
+          <pc:sldMk cId="4020460904" sldId="262"/>
+        </pc:sldMkLst>
+        <pc:spChg chg="mod">
+          <ac:chgData name="Hoyle, Ben" userId="986671f7-5fe5-4614-a770-7c92854a2d5a" providerId="ADAL" clId="{64516248-E761-B34D-A3D7-1237C369E1A3}" dt="2020-08-19T07:50:02.226" v="53" actId="14100"/>
+          <ac:spMkLst>
+            <pc:docMk/>
+            <pc:sldMk cId="4020460904" sldId="262"/>
+            <ac:spMk id="8" creationId="{E0122B85-A823-4334-9C3C-83A76906E49E}"/>
+          </ac:spMkLst>
+        </pc:spChg>
+        <pc:grpChg chg="mod">
+          <ac:chgData name="Hoyle, Ben" userId="986671f7-5fe5-4614-a770-7c92854a2d5a" providerId="ADAL" clId="{64516248-E761-B34D-A3D7-1237C369E1A3}" dt="2020-08-19T07:50:10.185" v="54" actId="1076"/>
+          <ac:grpSpMkLst>
+            <pc:docMk/>
+            <pc:sldMk cId="4020460904" sldId="262"/>
+            <ac:grpSpMk id="6" creationId="{C0404C37-0097-44D7-ABE2-85660375591F}"/>
+          </ac:grpSpMkLst>
+        </pc:grpChg>
+      </pc:sldChg>
+      <pc:sldChg chg="addSp modSp mod">
+        <pc:chgData name="Hoyle, Ben" userId="986671f7-5fe5-4614-a770-7c92854a2d5a" providerId="ADAL" clId="{64516248-E761-B34D-A3D7-1237C369E1A3}" dt="2020-08-19T09:28:21.021" v="2119" actId="20577"/>
+        <pc:sldMkLst>
+          <pc:docMk/>
+          <pc:sldMk cId="3737410902" sldId="313"/>
+        </pc:sldMkLst>
+        <pc:spChg chg="mod">
+          <ac:chgData name="Hoyle, Ben" userId="986671f7-5fe5-4614-a770-7c92854a2d5a" providerId="ADAL" clId="{64516248-E761-B34D-A3D7-1237C369E1A3}" dt="2020-08-19T09:26:32.962" v="1951" actId="1076"/>
+          <ac:spMkLst>
+            <pc:docMk/>
+            <pc:sldMk cId="3737410902" sldId="313"/>
+            <ac:spMk id="7" creationId="{4C66541B-1923-4D4D-9C5C-2BB118FBF220}"/>
+          </ac:spMkLst>
+        </pc:spChg>
+        <pc:spChg chg="add mod">
+          <ac:chgData name="Hoyle, Ben" userId="986671f7-5fe5-4614-a770-7c92854a2d5a" providerId="ADAL" clId="{64516248-E761-B34D-A3D7-1237C369E1A3}" dt="2020-08-19T09:28:21.021" v="2119" actId="20577"/>
+          <ac:spMkLst>
+            <pc:docMk/>
+            <pc:sldMk cId="3737410902" sldId="313"/>
+            <ac:spMk id="8" creationId="{D1003833-A143-A34D-B80A-158B59759D3B}"/>
+          </ac:spMkLst>
+        </pc:spChg>
+      </pc:sldChg>
+      <pc:sldChg chg="modSp mod">
+        <pc:chgData name="Hoyle, Ben" userId="986671f7-5fe5-4614-a770-7c92854a2d5a" providerId="ADAL" clId="{64516248-E761-B34D-A3D7-1237C369E1A3}" dt="2020-08-19T09:19:35.243" v="1688" actId="20577"/>
+        <pc:sldMkLst>
+          <pc:docMk/>
+          <pc:sldMk cId="3469222463" sldId="314"/>
+        </pc:sldMkLst>
+        <pc:spChg chg="mod">
+          <ac:chgData name="Hoyle, Ben" userId="986671f7-5fe5-4614-a770-7c92854a2d5a" providerId="ADAL" clId="{64516248-E761-B34D-A3D7-1237C369E1A3}" dt="2020-08-19T09:19:35.243" v="1688" actId="20577"/>
+          <ac:spMkLst>
+            <pc:docMk/>
+            <pc:sldMk cId="3469222463" sldId="314"/>
+            <ac:spMk id="7" creationId="{4C66541B-1923-4D4D-9C5C-2BB118FBF220}"/>
+          </ac:spMkLst>
+        </pc:spChg>
+      </pc:sldChg>
+      <pc:sldChg chg="modSp mod">
+        <pc:chgData name="Hoyle, Ben" userId="986671f7-5fe5-4614-a770-7c92854a2d5a" providerId="ADAL" clId="{64516248-E761-B34D-A3D7-1237C369E1A3}" dt="2020-08-19T09:19:19.717" v="1682" actId="20577"/>
+        <pc:sldMkLst>
+          <pc:docMk/>
+          <pc:sldMk cId="830970727" sldId="316"/>
+        </pc:sldMkLst>
+        <pc:spChg chg="mod">
+          <ac:chgData name="Hoyle, Ben" userId="986671f7-5fe5-4614-a770-7c92854a2d5a" providerId="ADAL" clId="{64516248-E761-B34D-A3D7-1237C369E1A3}" dt="2020-08-19T09:19:19.717" v="1682" actId="20577"/>
+          <ac:spMkLst>
+            <pc:docMk/>
+            <pc:sldMk cId="830970727" sldId="316"/>
+            <ac:spMk id="7" creationId="{4C66541B-1923-4D4D-9C5C-2BB118FBF220}"/>
+          </ac:spMkLst>
+        </pc:spChg>
+        <pc:spChg chg="mod">
+          <ac:chgData name="Hoyle, Ben" userId="986671f7-5fe5-4614-a770-7c92854a2d5a" providerId="ADAL" clId="{64516248-E761-B34D-A3D7-1237C369E1A3}" dt="2020-08-19T07:52:44.243" v="283" actId="1076"/>
+          <ac:spMkLst>
+            <pc:docMk/>
+            <pc:sldMk cId="830970727" sldId="316"/>
+            <ac:spMk id="8" creationId="{B79FB71E-B5CC-1A4C-B4A0-F1D84FA63FCE}"/>
+          </ac:spMkLst>
+        </pc:spChg>
+        <pc:spChg chg="mod">
+          <ac:chgData name="Hoyle, Ben" userId="986671f7-5fe5-4614-a770-7c92854a2d5a" providerId="ADAL" clId="{64516248-E761-B34D-A3D7-1237C369E1A3}" dt="2020-08-19T07:52:50.464" v="285" actId="1076"/>
+          <ac:spMkLst>
+            <pc:docMk/>
+            <pc:sldMk cId="830970727" sldId="316"/>
+            <ac:spMk id="9" creationId="{C39BFFCC-FBD0-7240-978C-331905D50C5A}"/>
+          </ac:spMkLst>
+        </pc:spChg>
+      </pc:sldChg>
+      <pc:sldChg chg="modSp mod">
+        <pc:chgData name="Hoyle, Ben" userId="986671f7-5fe5-4614-a770-7c92854a2d5a" providerId="ADAL" clId="{64516248-E761-B34D-A3D7-1237C369E1A3}" dt="2020-08-19T08:56:28.816" v="1615" actId="1076"/>
+        <pc:sldMkLst>
+          <pc:docMk/>
+          <pc:sldMk cId="47235818" sldId="1185"/>
+        </pc:sldMkLst>
+        <pc:spChg chg="mod">
+          <ac:chgData name="Hoyle, Ben" userId="986671f7-5fe5-4614-a770-7c92854a2d5a" providerId="ADAL" clId="{64516248-E761-B34D-A3D7-1237C369E1A3}" dt="2020-08-19T08:56:18.233" v="1613" actId="1076"/>
+          <ac:spMkLst>
+            <pc:docMk/>
+            <pc:sldMk cId="47235818" sldId="1185"/>
+            <ac:spMk id="10" creationId="{3F33E778-D7D2-4D4D-A713-0C3686C70E40}"/>
+          </ac:spMkLst>
+        </pc:spChg>
+        <pc:spChg chg="mod">
+          <ac:chgData name="Hoyle, Ben" userId="986671f7-5fe5-4614-a770-7c92854a2d5a" providerId="ADAL" clId="{64516248-E761-B34D-A3D7-1237C369E1A3}" dt="2020-08-19T08:55:43.162" v="1608" actId="1076"/>
+          <ac:spMkLst>
+            <pc:docMk/>
+            <pc:sldMk cId="47235818" sldId="1185"/>
+            <ac:spMk id="11" creationId="{81524804-5812-6B43-912D-D839840CAFD8}"/>
+          </ac:spMkLst>
+        </pc:spChg>
+        <pc:picChg chg="mod">
+          <ac:chgData name="Hoyle, Ben" userId="986671f7-5fe5-4614-a770-7c92854a2d5a" providerId="ADAL" clId="{64516248-E761-B34D-A3D7-1237C369E1A3}" dt="2020-08-19T08:56:28.816" v="1615" actId="1076"/>
+          <ac:picMkLst>
+            <pc:docMk/>
+            <pc:sldMk cId="47235818" sldId="1185"/>
+            <ac:picMk id="9" creationId="{7C63FEC7-B6D9-E547-8E4D-BE08E8C999D0}"/>
+          </ac:picMkLst>
+        </pc:picChg>
+      </pc:sldChg>
+      <pc:sldChg chg="modSp mod">
+        <pc:chgData name="Hoyle, Ben" userId="986671f7-5fe5-4614-a770-7c92854a2d5a" providerId="ADAL" clId="{64516248-E761-B34D-A3D7-1237C369E1A3}" dt="2020-08-19T08:56:33.369" v="1616" actId="1076"/>
+        <pc:sldMkLst>
+          <pc:docMk/>
+          <pc:sldMk cId="4028327710" sldId="1186"/>
+        </pc:sldMkLst>
+        <pc:spChg chg="mod">
+          <ac:chgData name="Hoyle, Ben" userId="986671f7-5fe5-4614-a770-7c92854a2d5a" providerId="ADAL" clId="{64516248-E761-B34D-A3D7-1237C369E1A3}" dt="2020-08-19T08:56:11.258" v="1612" actId="255"/>
+          <ac:spMkLst>
+            <pc:docMk/>
+            <pc:sldMk cId="4028327710" sldId="1186"/>
+            <ac:spMk id="10" creationId="{3F33E778-D7D2-4D4D-A713-0C3686C70E40}"/>
+          </ac:spMkLst>
+        </pc:spChg>
+        <pc:picChg chg="mod">
+          <ac:chgData name="Hoyle, Ben" userId="986671f7-5fe5-4614-a770-7c92854a2d5a" providerId="ADAL" clId="{64516248-E761-B34D-A3D7-1237C369E1A3}" dt="2020-08-19T08:56:33.369" v="1616" actId="1076"/>
+          <ac:picMkLst>
+            <pc:docMk/>
+            <pc:sldMk cId="4028327710" sldId="1186"/>
+            <ac:picMk id="9" creationId="{7C63FEC7-B6D9-E547-8E4D-BE08E8C999D0}"/>
+          </ac:picMkLst>
+        </pc:picChg>
+      </pc:sldChg>
+      <pc:sldChg chg="modSp mod">
+        <pc:chgData name="Hoyle, Ben" userId="986671f7-5fe5-4614-a770-7c92854a2d5a" providerId="ADAL" clId="{64516248-E761-B34D-A3D7-1237C369E1A3}" dt="2020-08-19T08:56:48.144" v="1618" actId="20577"/>
+        <pc:sldMkLst>
+          <pc:docMk/>
+          <pc:sldMk cId="3772088587" sldId="1188"/>
+        </pc:sldMkLst>
+        <pc:spChg chg="mod">
+          <ac:chgData name="Hoyle, Ben" userId="986671f7-5fe5-4614-a770-7c92854a2d5a" providerId="ADAL" clId="{64516248-E761-B34D-A3D7-1237C369E1A3}" dt="2020-08-19T08:56:48.144" v="1618" actId="20577"/>
+          <ac:spMkLst>
+            <pc:docMk/>
+            <pc:sldMk cId="3772088587" sldId="1188"/>
+            <ac:spMk id="7" creationId="{4C66541B-1923-4D4D-9C5C-2BB118FBF220}"/>
+          </ac:spMkLst>
+        </pc:spChg>
+      </pc:sldChg>
+      <pc:sldChg chg="delSp modSp mod">
+        <pc:chgData name="Hoyle, Ben" userId="986671f7-5fe5-4614-a770-7c92854a2d5a" providerId="ADAL" clId="{64516248-E761-B34D-A3D7-1237C369E1A3}" dt="2020-08-19T09:20:13.972" v="1702" actId="1036"/>
+        <pc:sldMkLst>
+          <pc:docMk/>
+          <pc:sldMk cId="4082375248" sldId="1190"/>
+        </pc:sldMkLst>
+        <pc:spChg chg="mod">
+          <ac:chgData name="Hoyle, Ben" userId="986671f7-5fe5-4614-a770-7c92854a2d5a" providerId="ADAL" clId="{64516248-E761-B34D-A3D7-1237C369E1A3}" dt="2020-08-19T08:45:05.136" v="394" actId="20577"/>
+          <ac:spMkLst>
+            <pc:docMk/>
+            <pc:sldMk cId="4082375248" sldId="1190"/>
+            <ac:spMk id="7" creationId="{4C66541B-1923-4D4D-9C5C-2BB118FBF220}"/>
+          </ac:spMkLst>
+        </pc:spChg>
+        <pc:spChg chg="mod">
+          <ac:chgData name="Hoyle, Ben" userId="986671f7-5fe5-4614-a770-7c92854a2d5a" providerId="ADAL" clId="{64516248-E761-B34D-A3D7-1237C369E1A3}" dt="2020-08-19T08:57:28.129" v="1628" actId="20577"/>
+          <ac:spMkLst>
+            <pc:docMk/>
+            <pc:sldMk cId="4082375248" sldId="1190"/>
+            <ac:spMk id="17" creationId="{E3B4D259-9C38-2E49-8411-4E741B539342}"/>
+          </ac:spMkLst>
+        </pc:spChg>
+        <pc:spChg chg="mod">
+          <ac:chgData name="Hoyle, Ben" userId="986671f7-5fe5-4614-a770-7c92854a2d5a" providerId="ADAL" clId="{64516248-E761-B34D-A3D7-1237C369E1A3}" dt="2020-08-19T08:57:53.222" v="1632" actId="20577"/>
+          <ac:spMkLst>
+            <pc:docMk/>
+            <pc:sldMk cId="4082375248" sldId="1190"/>
+            <ac:spMk id="18" creationId="{F6FCF588-F82F-6142-A0EC-02B3ACCB1CF2}"/>
+          </ac:spMkLst>
+        </pc:spChg>
+        <pc:spChg chg="del">
+          <ac:chgData name="Hoyle, Ben" userId="986671f7-5fe5-4614-a770-7c92854a2d5a" providerId="ADAL" clId="{64516248-E761-B34D-A3D7-1237C369E1A3}" dt="2020-08-19T08:58:11.712" v="1634" actId="478"/>
+          <ac:spMkLst>
+            <pc:docMk/>
+            <pc:sldMk cId="4082375248" sldId="1190"/>
+            <ac:spMk id="20" creationId="{04531799-D720-5E44-AFB7-9BC8BB467728}"/>
+          </ac:spMkLst>
+        </pc:spChg>
+        <pc:picChg chg="mod">
+          <ac:chgData name="Hoyle, Ben" userId="986671f7-5fe5-4614-a770-7c92854a2d5a" providerId="ADAL" clId="{64516248-E761-B34D-A3D7-1237C369E1A3}" dt="2020-08-19T09:20:13.972" v="1702" actId="1036"/>
+          <ac:picMkLst>
+            <pc:docMk/>
+            <pc:sldMk cId="4082375248" sldId="1190"/>
+            <ac:picMk id="19" creationId="{61D6E4AD-D792-5248-8FFF-104416D8828D}"/>
+          </ac:picMkLst>
+        </pc:picChg>
+      </pc:sldChg>
+      <pc:sldChg chg="modSp mod">
+        <pc:chgData name="Hoyle, Ben" userId="986671f7-5fe5-4614-a770-7c92854a2d5a" providerId="ADAL" clId="{64516248-E761-B34D-A3D7-1237C369E1A3}" dt="2020-08-19T08:46:07.361" v="431" actId="20577"/>
+        <pc:sldMkLst>
+          <pc:docMk/>
+          <pc:sldMk cId="3035598096" sldId="1192"/>
+        </pc:sldMkLst>
+        <pc:spChg chg="mod">
+          <ac:chgData name="Hoyle, Ben" userId="986671f7-5fe5-4614-a770-7c92854a2d5a" providerId="ADAL" clId="{64516248-E761-B34D-A3D7-1237C369E1A3}" dt="2020-08-19T08:45:27.889" v="395" actId="207"/>
+          <ac:spMkLst>
+            <pc:docMk/>
+            <pc:sldMk cId="3035598096" sldId="1192"/>
+            <ac:spMk id="16" creationId="{6551485A-1308-F544-8C09-8456232AF368}"/>
+          </ac:spMkLst>
+        </pc:spChg>
+        <pc:spChg chg="mod">
+          <ac:chgData name="Hoyle, Ben" userId="986671f7-5fe5-4614-a770-7c92854a2d5a" providerId="ADAL" clId="{64516248-E761-B34D-A3D7-1237C369E1A3}" dt="2020-08-19T08:46:07.361" v="431" actId="20577"/>
+          <ac:spMkLst>
+            <pc:docMk/>
+            <pc:sldMk cId="3035598096" sldId="1192"/>
+            <ac:spMk id="21" creationId="{B749BD0D-5D9A-F949-B4FD-DE68FB60503A}"/>
+          </ac:spMkLst>
+        </pc:spChg>
+      </pc:sldChg>
+      <pc:sldChg chg="modSp mod">
+        <pc:chgData name="Hoyle, Ben" userId="986671f7-5fe5-4614-a770-7c92854a2d5a" providerId="ADAL" clId="{64516248-E761-B34D-A3D7-1237C369E1A3}" dt="2020-08-19T08:56:45.209" v="1617" actId="20577"/>
+        <pc:sldMkLst>
+          <pc:docMk/>
+          <pc:sldMk cId="2367655159" sldId="1199"/>
+        </pc:sldMkLst>
+        <pc:spChg chg="mod">
+          <ac:chgData name="Hoyle, Ben" userId="986671f7-5fe5-4614-a770-7c92854a2d5a" providerId="ADAL" clId="{64516248-E761-B34D-A3D7-1237C369E1A3}" dt="2020-08-19T08:56:45.209" v="1617" actId="20577"/>
+          <ac:spMkLst>
+            <pc:docMk/>
+            <pc:sldMk cId="2367655159" sldId="1199"/>
+            <ac:spMk id="7" creationId="{4C66541B-1923-4D4D-9C5C-2BB118FBF220}"/>
+          </ac:spMkLst>
+        </pc:spChg>
+      </pc:sldChg>
+      <pc:sldChg chg="add del">
+        <pc:chgData name="Hoyle, Ben" userId="986671f7-5fe5-4614-a770-7c92854a2d5a" providerId="ADAL" clId="{64516248-E761-B34D-A3D7-1237C369E1A3}" dt="2020-08-19T08:03:11.625" v="288" actId="2696"/>
+        <pc:sldMkLst>
+          <pc:docMk/>
+          <pc:sldMk cId="2258423019" sldId="1203"/>
+        </pc:sldMkLst>
+      </pc:sldChg>
+      <pc:sldChg chg="addSp delSp modSp add mod ord">
+        <pc:chgData name="Hoyle, Ben" userId="986671f7-5fe5-4614-a770-7c92854a2d5a" providerId="ADAL" clId="{64516248-E761-B34D-A3D7-1237C369E1A3}" dt="2020-08-19T09:25:15.484" v="1949"/>
+        <pc:sldMkLst>
+          <pc:docMk/>
+          <pc:sldMk cId="3106754522" sldId="1204"/>
+        </pc:sldMkLst>
+        <pc:spChg chg="mod">
+          <ac:chgData name="Hoyle, Ben" userId="986671f7-5fe5-4614-a770-7c92854a2d5a" providerId="ADAL" clId="{64516248-E761-B34D-A3D7-1237C369E1A3}" dt="2020-08-19T08:03:35.481" v="349" actId="20577"/>
+          <ac:spMkLst>
+            <pc:docMk/>
+            <pc:sldMk cId="3106754522" sldId="1204"/>
+            <ac:spMk id="2" creationId="{48CC89E0-C0F7-984C-A7FE-285FA7CC72AC}"/>
+          </ac:spMkLst>
+        </pc:spChg>
+        <pc:spChg chg="add mod">
+          <ac:chgData name="Hoyle, Ben" userId="986671f7-5fe5-4614-a770-7c92854a2d5a" providerId="ADAL" clId="{64516248-E761-B34D-A3D7-1237C369E1A3}" dt="2020-08-19T08:59:26.982" v="1668" actId="1076"/>
+          <ac:spMkLst>
+            <pc:docMk/>
+            <pc:sldMk cId="3106754522" sldId="1204"/>
+            <ac:spMk id="3" creationId="{4E6F67EB-0209-FB44-8387-303FA96D4EE5}"/>
+          </ac:spMkLst>
+        </pc:spChg>
+        <pc:spChg chg="del mod">
+          <ac:chgData name="Hoyle, Ben" userId="986671f7-5fe5-4614-a770-7c92854a2d5a" providerId="ADAL" clId="{64516248-E761-B34D-A3D7-1237C369E1A3}" dt="2020-08-19T08:03:40.967" v="353"/>
+          <ac:spMkLst>
+            <pc:docMk/>
+            <pc:sldMk cId="3106754522" sldId="1204"/>
+            <ac:spMk id="7" creationId="{4C66541B-1923-4D4D-9C5C-2BB118FBF220}"/>
+          </ac:spMkLst>
+        </pc:spChg>
+        <pc:spChg chg="mod">
+          <ac:chgData name="Hoyle, Ben" userId="986671f7-5fe5-4614-a770-7c92854a2d5a" providerId="ADAL" clId="{64516248-E761-B34D-A3D7-1237C369E1A3}" dt="2020-08-19T08:59:22.586" v="1667" actId="20577"/>
+          <ac:spMkLst>
+            <pc:docMk/>
+            <pc:sldMk cId="3106754522" sldId="1204"/>
+            <ac:spMk id="16" creationId="{6551485A-1308-F544-8C09-8456232AF368}"/>
+          </ac:spMkLst>
+        </pc:spChg>
+        <pc:spChg chg="add del mod">
+          <ac:chgData name="Hoyle, Ben" userId="986671f7-5fe5-4614-a770-7c92854a2d5a" providerId="ADAL" clId="{64516248-E761-B34D-A3D7-1237C369E1A3}" dt="2020-08-19T08:55:16.056" v="1607" actId="478"/>
+          <ac:spMkLst>
+            <pc:docMk/>
+            <pc:sldMk cId="3106754522" sldId="1204"/>
+            <ac:spMk id="17" creationId="{2FCCA60E-5673-EC4A-AACB-48426F1DF7F7}"/>
+          </ac:spMkLst>
+        </pc:spChg>
+        <pc:spChg chg="del">
+          <ac:chgData name="Hoyle, Ben" userId="986671f7-5fe5-4614-a770-7c92854a2d5a" providerId="ADAL" clId="{64516248-E761-B34D-A3D7-1237C369E1A3}" dt="2020-08-19T08:03:40.800" v="351" actId="478"/>
+          <ac:spMkLst>
+            <pc:docMk/>
+            <pc:sldMk cId="3106754522" sldId="1204"/>
+            <ac:spMk id="21" creationId="{B749BD0D-5D9A-F949-B4FD-DE68FB60503A}"/>
+          </ac:spMkLst>
+        </pc:spChg>
+      </pc:sldChg>
+      <pc:sldChg chg="addSp delSp modSp add mod">
+        <pc:chgData name="Hoyle, Ben" userId="986671f7-5fe5-4614-a770-7c92854a2d5a" providerId="ADAL" clId="{64516248-E761-B34D-A3D7-1237C369E1A3}" dt="2020-08-19T09:25:01.661" v="1947" actId="20577"/>
+        <pc:sldMkLst>
+          <pc:docMk/>
+          <pc:sldMk cId="2216222604" sldId="1205"/>
+        </pc:sldMkLst>
+        <pc:spChg chg="mod">
+          <ac:chgData name="Hoyle, Ben" userId="986671f7-5fe5-4614-a770-7c92854a2d5a" providerId="ADAL" clId="{64516248-E761-B34D-A3D7-1237C369E1A3}" dt="2020-08-19T08:46:22.821" v="441" actId="20577"/>
+          <ac:spMkLst>
+            <pc:docMk/>
+            <pc:sldMk cId="2216222604" sldId="1205"/>
+            <ac:spMk id="2" creationId="{48CC89E0-C0F7-984C-A7FE-285FA7CC72AC}"/>
+          </ac:spMkLst>
+        </pc:spChg>
+        <pc:spChg chg="mod">
+          <ac:chgData name="Hoyle, Ben" userId="986671f7-5fe5-4614-a770-7c92854a2d5a" providerId="ADAL" clId="{64516248-E761-B34D-A3D7-1237C369E1A3}" dt="2020-08-19T08:53:07.065" v="1273" actId="20577"/>
+          <ac:spMkLst>
+            <pc:docMk/>
+            <pc:sldMk cId="2216222604" sldId="1205"/>
+            <ac:spMk id="7" creationId="{4C66541B-1923-4D4D-9C5C-2BB118FBF220}"/>
+          </ac:spMkLst>
+        </pc:spChg>
+        <pc:spChg chg="del">
+          <ac:chgData name="Hoyle, Ben" userId="986671f7-5fe5-4614-a770-7c92854a2d5a" providerId="ADAL" clId="{64516248-E761-B34D-A3D7-1237C369E1A3}" dt="2020-08-19T08:51:13.187" v="1079" actId="478"/>
+          <ac:spMkLst>
+            <pc:docMk/>
+            <pc:sldMk cId="2216222604" sldId="1205"/>
+            <ac:spMk id="16" creationId="{6551485A-1308-F544-8C09-8456232AF368}"/>
+          </ac:spMkLst>
+        </pc:spChg>
+        <pc:spChg chg="add mod">
+          <ac:chgData name="Hoyle, Ben" userId="986671f7-5fe5-4614-a770-7c92854a2d5a" providerId="ADAL" clId="{64516248-E761-B34D-A3D7-1237C369E1A3}" dt="2020-08-19T08:52:48.251" v="1264" actId="1076"/>
+          <ac:spMkLst>
+            <pc:docMk/>
+            <pc:sldMk cId="2216222604" sldId="1205"/>
+            <ac:spMk id="17" creationId="{1E104654-7134-4341-814C-4E91B5E39BAE}"/>
+          </ac:spMkLst>
+        </pc:spChg>
+        <pc:spChg chg="add mod">
+          <ac:chgData name="Hoyle, Ben" userId="986671f7-5fe5-4614-a770-7c92854a2d5a" providerId="ADAL" clId="{64516248-E761-B34D-A3D7-1237C369E1A3}" dt="2020-08-19T09:25:01.661" v="1947" actId="20577"/>
+          <ac:spMkLst>
+            <pc:docMk/>
+            <pc:sldMk cId="2216222604" sldId="1205"/>
+            <ac:spMk id="18" creationId="{EADEF7BC-298A-554F-A108-42081331919C}"/>
+          </ac:spMkLst>
+        </pc:spChg>
+        <pc:spChg chg="del">
+          <ac:chgData name="Hoyle, Ben" userId="986671f7-5fe5-4614-a770-7c92854a2d5a" providerId="ADAL" clId="{64516248-E761-B34D-A3D7-1237C369E1A3}" dt="2020-08-19T08:49:50.430" v="898" actId="478"/>
+          <ac:spMkLst>
+            <pc:docMk/>
+            <pc:sldMk cId="2216222604" sldId="1205"/>
+            <ac:spMk id="21" creationId="{B749BD0D-5D9A-F949-B4FD-DE68FB60503A}"/>
+          </ac:spMkLst>
+        </pc:spChg>
+      </pc:sldChg>
+      <pc:sldChg chg="modSp add mod">
+        <pc:chgData name="Hoyle, Ben" userId="986671f7-5fe5-4614-a770-7c92854a2d5a" providerId="ADAL" clId="{64516248-E761-B34D-A3D7-1237C369E1A3}" dt="2020-08-19T08:58:28.525" v="1636" actId="1076"/>
+        <pc:sldMkLst>
+          <pc:docMk/>
+          <pc:sldMk cId="3821480105" sldId="1206"/>
+        </pc:sldMkLst>
+        <pc:spChg chg="mod">
+          <ac:chgData name="Hoyle, Ben" userId="986671f7-5fe5-4614-a770-7c92854a2d5a" providerId="ADAL" clId="{64516248-E761-B34D-A3D7-1237C369E1A3}" dt="2020-08-19T08:58:21.681" v="1635" actId="20577"/>
+          <ac:spMkLst>
+            <pc:docMk/>
+            <pc:sldMk cId="3821480105" sldId="1206"/>
+            <ac:spMk id="20" creationId="{04531799-D720-5E44-AFB7-9BC8BB467728}"/>
+          </ac:spMkLst>
+        </pc:spChg>
+        <pc:picChg chg="mod">
+          <ac:chgData name="Hoyle, Ben" userId="986671f7-5fe5-4614-a770-7c92854a2d5a" providerId="ADAL" clId="{64516248-E761-B34D-A3D7-1237C369E1A3}" dt="2020-08-19T08:58:28.525" v="1636" actId="1076"/>
+          <ac:picMkLst>
+            <pc:docMk/>
+            <pc:sldMk cId="3821480105" sldId="1206"/>
+            <ac:picMk id="19" creationId="{61D6E4AD-D792-5248-8FFF-104416D8828D}"/>
+          </ac:picMkLst>
+        </pc:picChg>
+      </pc:sldChg>
+    </pc:docChg>
+  </pc:docChgLst>
+</pc:chgInfo>
+</file>
+
 <file path=ppt/notesMasters/notesMaster1.xml><?xml version="1.0" encoding="utf-8"?>
 <p:notesMaster xmlns:a="http://schemas.openxmlformats.org/drawingml/2006/main" xmlns:r="http://schemas.openxmlformats.org/officeDocument/2006/relationships" xmlns:p="http://schemas.openxmlformats.org/presentationml/2006/main">
   <p:cSld>
@@ -214,7 +625,7 @@
           <a:p>
             <a:fld id="{102BA731-E273-294E-A757-204B94144AD1}" type="datetimeFigureOut">
               <a:rPr lang="en-DE" smtClean="0"/>
-              <a:t>17.08.20</a:t>
+              <a:t>19.08.20</a:t>
             </a:fld>
             <a:endParaRPr lang="en-DE"/>
           </a:p>
@@ -482,6 +893,90 @@
 </p:notesMaster>
 </file>
 
+<file path=ppt/notesSlides/notesSlide1.xml><?xml version="1.0" encoding="utf-8"?>
+<p:notes xmlns:a="http://schemas.openxmlformats.org/drawingml/2006/main" xmlns:r="http://schemas.openxmlformats.org/officeDocument/2006/relationships" xmlns:p="http://schemas.openxmlformats.org/presentationml/2006/main">
+  <p:cSld>
+    <p:spTree>
+      <p:nvGrpSpPr>
+        <p:cNvPr id="1" name=""/>
+        <p:cNvGrpSpPr/>
+        <p:nvPr/>
+      </p:nvGrpSpPr>
+      <p:grpSpPr>
+        <a:xfrm>
+          <a:off x="0" y="0"/>
+          <a:ext cx="0" cy="0"/>
+          <a:chOff x="0" y="0"/>
+          <a:chExt cx="0" cy="0"/>
+        </a:xfrm>
+      </p:grpSpPr>
+      <p:sp>
+        <p:nvSpPr>
+          <p:cNvPr id="2" name="Slide Image Placeholder 1"/>
+          <p:cNvSpPr>
+            <a:spLocks noGrp="1" noRot="1" noChangeAspect="1"/>
+          </p:cNvSpPr>
+          <p:nvPr>
+            <p:ph type="sldImg"/>
+          </p:nvPr>
+        </p:nvSpPr>
+        <p:spPr/>
+      </p:sp>
+      <p:sp>
+        <p:nvSpPr>
+          <p:cNvPr id="3" name="Notes Placeholder 2"/>
+          <p:cNvSpPr>
+            <a:spLocks noGrp="1"/>
+          </p:cNvSpPr>
+          <p:nvPr>
+            <p:ph type="body" idx="1"/>
+          </p:nvPr>
+        </p:nvSpPr>
+        <p:spPr/>
+        <p:txBody>
+          <a:bodyPr/>
+          <a:lstStyle/>
+          <a:p>
+            <a:endParaRPr lang="en-DE" dirty="0"/>
+          </a:p>
+        </p:txBody>
+      </p:sp>
+      <p:sp>
+        <p:nvSpPr>
+          <p:cNvPr id="4" name="Slide Number Placeholder 3"/>
+          <p:cNvSpPr>
+            <a:spLocks noGrp="1"/>
+          </p:cNvSpPr>
+          <p:nvPr>
+            <p:ph type="sldNum" sz="quarter" idx="5"/>
+          </p:nvPr>
+        </p:nvSpPr>
+        <p:spPr/>
+        <p:txBody>
+          <a:bodyPr/>
+          <a:lstStyle/>
+          <a:p>
+            <a:fld id="{6E70F13D-471D-504A-89FB-4628CC564DC7}" type="slidenum">
+              <a:rPr lang="en-DE" smtClean="0"/>
+              <a:t>16</a:t>
+            </a:fld>
+            <a:endParaRPr lang="en-DE"/>
+          </a:p>
+        </p:txBody>
+      </p:sp>
+    </p:spTree>
+    <p:extLst>
+      <p:ext uri="{BB962C8B-B14F-4D97-AF65-F5344CB8AC3E}">
+        <p14:creationId xmlns:p14="http://schemas.microsoft.com/office/powerpoint/2010/main" val="3274252518"/>
+      </p:ext>
+    </p:extLst>
+  </p:cSld>
+  <p:clrMapOvr>
+    <a:masterClrMapping/>
+  </p:clrMapOvr>
+</p:notes>
+</file>
+
 <file path=ppt/slideLayouts/slideLayout1.xml><?xml version="1.0" encoding="utf-8"?>
 <p:sldLayout xmlns:a="http://schemas.openxmlformats.org/drawingml/2006/main" xmlns:r="http://schemas.openxmlformats.org/officeDocument/2006/relationships" xmlns:p="http://schemas.openxmlformats.org/presentationml/2006/main" type="title" preserve="1">
   <p:cSld name="Title Slide">
@@ -631,7 +1126,7 @@
           <a:p>
             <a:fld id="{1517AEE6-BE80-C34A-991C-2019A4D5DF5D}" type="datetimeFigureOut">
               <a:rPr lang="en-DE" smtClean="0"/>
-              <a:t>17.08.20</a:t>
+              <a:t>19.08.20</a:t>
             </a:fld>
             <a:endParaRPr lang="en-DE"/>
           </a:p>
@@ -831,7 +1326,7 @@
           <a:p>
             <a:fld id="{1517AEE6-BE80-C34A-991C-2019A4D5DF5D}" type="datetimeFigureOut">
               <a:rPr lang="en-DE" smtClean="0"/>
-              <a:t>17.08.20</a:t>
+              <a:t>19.08.20</a:t>
             </a:fld>
             <a:endParaRPr lang="en-DE"/>
           </a:p>
@@ -1041,7 +1536,7 @@
           <a:p>
             <a:fld id="{1517AEE6-BE80-C34A-991C-2019A4D5DF5D}" type="datetimeFigureOut">
               <a:rPr lang="en-DE" smtClean="0"/>
-              <a:t>17.08.20</a:t>
+              <a:t>19.08.20</a:t>
             </a:fld>
             <a:endParaRPr lang="en-DE"/>
           </a:p>
@@ -1334,7 +1829,7 @@
           <a:p>
             <a:fld id="{1517AEE6-BE80-C34A-991C-2019A4D5DF5D}" type="datetimeFigureOut">
               <a:rPr lang="en-DE" smtClean="0"/>
-              <a:t>17.08.20</a:t>
+              <a:t>19.08.20</a:t>
             </a:fld>
             <a:endParaRPr lang="en-DE"/>
           </a:p>
@@ -1610,7 +2105,7 @@
           <a:p>
             <a:fld id="{1517AEE6-BE80-C34A-991C-2019A4D5DF5D}" type="datetimeFigureOut">
               <a:rPr lang="en-DE" smtClean="0"/>
-              <a:t>17.08.20</a:t>
+              <a:t>19.08.20</a:t>
             </a:fld>
             <a:endParaRPr lang="en-DE"/>
           </a:p>
@@ -1878,7 +2373,7 @@
           <a:p>
             <a:fld id="{1517AEE6-BE80-C34A-991C-2019A4D5DF5D}" type="datetimeFigureOut">
               <a:rPr lang="en-DE" smtClean="0"/>
-              <a:t>17.08.20</a:t>
+              <a:t>19.08.20</a:t>
             </a:fld>
             <a:endParaRPr lang="en-DE"/>
           </a:p>
@@ -2293,7 +2788,7 @@
           <a:p>
             <a:fld id="{1517AEE6-BE80-C34A-991C-2019A4D5DF5D}" type="datetimeFigureOut">
               <a:rPr lang="en-DE" smtClean="0"/>
-              <a:t>17.08.20</a:t>
+              <a:t>19.08.20</a:t>
             </a:fld>
             <a:endParaRPr lang="en-DE"/>
           </a:p>
@@ -2435,7 +2930,7 @@
           <a:p>
             <a:fld id="{1517AEE6-BE80-C34A-991C-2019A4D5DF5D}" type="datetimeFigureOut">
               <a:rPr lang="en-DE" smtClean="0"/>
-              <a:t>17.08.20</a:t>
+              <a:t>19.08.20</a:t>
             </a:fld>
             <a:endParaRPr lang="en-DE"/>
           </a:p>
@@ -2548,7 +3043,7 @@
           <a:p>
             <a:fld id="{1517AEE6-BE80-C34A-991C-2019A4D5DF5D}" type="datetimeFigureOut">
               <a:rPr lang="en-DE" smtClean="0"/>
-              <a:t>17.08.20</a:t>
+              <a:t>19.08.20</a:t>
             </a:fld>
             <a:endParaRPr lang="en-DE"/>
           </a:p>
@@ -2861,7 +3356,7 @@
           <a:p>
             <a:fld id="{1517AEE6-BE80-C34A-991C-2019A4D5DF5D}" type="datetimeFigureOut">
               <a:rPr lang="en-DE" smtClean="0"/>
-              <a:t>17.08.20</a:t>
+              <a:t>19.08.20</a:t>
             </a:fld>
             <a:endParaRPr lang="en-DE"/>
           </a:p>
@@ -3150,7 +3645,7 @@
           <a:p>
             <a:fld id="{1517AEE6-BE80-C34A-991C-2019A4D5DF5D}" type="datetimeFigureOut">
               <a:rPr lang="en-DE" smtClean="0"/>
-              <a:t>17.08.20</a:t>
+              <a:t>19.08.20</a:t>
             </a:fld>
             <a:endParaRPr lang="en-DE"/>
           </a:p>
@@ -3393,7 +3888,7 @@
           <a:p>
             <a:fld id="{1517AEE6-BE80-C34A-991C-2019A4D5DF5D}" type="datetimeFigureOut">
               <a:rPr lang="en-DE" smtClean="0"/>
-              <a:t>17.08.20</a:t>
+              <a:t>19.08.20</a:t>
             </a:fld>
             <a:endParaRPr lang="en-DE"/>
           </a:p>
@@ -3865,7 +4360,7 @@
         </p:nvGrpSpPr>
         <p:grpSpPr>
           <a:xfrm>
-            <a:off x="1231340" y="3770712"/>
+            <a:off x="1231340" y="3429000"/>
             <a:ext cx="10573586" cy="3086397"/>
             <a:chOff x="1231661" y="3770799"/>
             <a:chExt cx="10576339" cy="3087201"/>
@@ -3886,7 +4381,7 @@
           <p:spPr>
             <a:xfrm>
               <a:off x="1231661" y="3770799"/>
-              <a:ext cx="3240000" cy="1080000"/>
+              <a:ext cx="8050680" cy="1080000"/>
             </a:xfrm>
             <a:prstGeom prst="rect">
               <a:avLst/>
@@ -3936,7 +4431,27 @@
                   <a:latin typeface="Arial" panose="020B0604020202020204" pitchFamily="34" charset="0"/>
                   <a:cs typeface="Arial" panose="020B0604020202020204" pitchFamily="34" charset="0"/>
                 </a:rPr>
-                <a:t>, Carl Zeiss</a:t>
+                <a:t>, Senior Scientist </a:t>
+              </a:r>
+              <a:r>
+                <a:rPr lang="de-DE" sz="1799" dirty="0" err="1">
+                  <a:solidFill>
+                    <a:schemeClr val="accent3"/>
+                  </a:solidFill>
+                  <a:latin typeface="Arial" panose="020B0604020202020204" pitchFamily="34" charset="0"/>
+                  <a:cs typeface="Arial" panose="020B0604020202020204" pitchFamily="34" charset="0"/>
+                </a:rPr>
+                <a:t>and</a:t>
+              </a:r>
+              <a:r>
+                <a:rPr lang="de-DE" sz="1799" dirty="0">
+                  <a:solidFill>
+                    <a:schemeClr val="accent3"/>
+                  </a:solidFill>
+                  <a:latin typeface="Arial" panose="020B0604020202020204" pitchFamily="34" charset="0"/>
+                  <a:cs typeface="Arial" panose="020B0604020202020204" pitchFamily="34" charset="0"/>
+                </a:rPr>
+                <a:t> Data Scientist at Carl Zeiss</a:t>
               </a:r>
             </a:p>
           </p:txBody>
@@ -4547,7 +5062,7 @@
         </p:blipFill>
         <p:spPr>
           <a:xfrm>
-            <a:off x="4028968" y="2639503"/>
+            <a:off x="3427079" y="2535459"/>
             <a:ext cx="3797365" cy="902652"/>
           </a:xfrm>
           <a:prstGeom prst="rect">
@@ -4570,7 +5085,7 @@
         <p:spPr>
           <a:xfrm>
             <a:off x="1626641" y="2062190"/>
-            <a:ext cx="6506076" cy="461665"/>
+            <a:ext cx="5464509" cy="400110"/>
           </a:xfrm>
           <a:prstGeom prst="rect">
             <a:avLst/>
@@ -4583,13 +5098,13 @@
           <a:lstStyle/>
           <a:p>
             <a:r>
-              <a:rPr lang="en-DE" sz="2400" dirty="0">
+              <a:rPr lang="en-DE" sz="2000" dirty="0">
                 <a:hlinkClick r:id="rId5"/>
               </a:rPr>
               <a:t>https://en.wikipedia.org/wiki/Bayes%27_theorem</a:t>
             </a:r>
             <a:r>
-              <a:rPr lang="en-DE" sz="2400" dirty="0"/>
+              <a:rPr lang="en-DE" sz="2000" dirty="0"/>
               <a:t> </a:t>
             </a:r>
           </a:p>
@@ -5262,7 +5777,7 @@
           <a:p>
             <a:r>
               <a:rPr lang="en-CA" sz="2400" dirty="0"/>
-              <a:t>But if we able to cast the question in a particular way, and we are </a:t>
+              <a:t>But, if we able to cast the question in a particular way, and we are </a:t>
             </a:r>
             <a:r>
               <a:rPr lang="en-CA" sz="2400" b="1" dirty="0"/>
@@ -5984,7 +6499,7 @@
           <a:p>
             <a:r>
               <a:rPr lang="en-CA" sz="2400" dirty="0"/>
-              <a:t>But if we able to cast the question in a particular way, and we are </a:t>
+              <a:t>But, if we able to cast the question in a particular way, and we are </a:t>
             </a:r>
             <a:r>
               <a:rPr lang="en-CA" sz="2400" b="1" dirty="0"/>
@@ -6491,7 +7006,7 @@
             </a:r>
             <a:r>
               <a:rPr lang="en-CA" sz="2400" dirty="0"/>
-              <a:t> calculate all of the probabilities.</a:t>
+              <a:t> determine all of the probabilities.</a:t>
             </a:r>
           </a:p>
         </p:txBody>
@@ -6616,7 +7131,19 @@
           <a:p>
             <a:r>
               <a:rPr lang="en-CA" sz="2400" dirty="0"/>
-              <a:t>This allows the update process of P(A|B) to be *trivially* calculated given new information.</a:t>
+              <a:t>This allows the update process of P(A|B) to be </a:t>
+            </a:r>
+            <a:r>
+              <a:rPr lang="en-CA" sz="2400" b="1" dirty="0"/>
+              <a:t>analytically  and </a:t>
+            </a:r>
+            <a:r>
+              <a:rPr lang="en-CA" sz="2400" b="1" i="1" dirty="0"/>
+              <a:t>trivially</a:t>
+            </a:r>
+            <a:r>
+              <a:rPr lang="en-CA" sz="2400" dirty="0"/>
+              <a:t> calculated given new information.</a:t>
             </a:r>
           </a:p>
         </p:txBody>
@@ -6708,7 +7235,7 @@
         </p:blipFill>
         <p:spPr>
           <a:xfrm>
-            <a:off x="3922908" y="2153087"/>
+            <a:off x="3922908" y="2267387"/>
             <a:ext cx="3317680" cy="788629"/>
           </a:xfrm>
           <a:prstGeom prst="rect">
@@ -6716,60 +7243,6 @@
           </a:prstGeom>
         </p:spPr>
       </p:pic>
-      <p:sp>
-        <p:nvSpPr>
-          <p:cNvPr id="20" name="TextBox 19">
-            <a:extLst>
-              <a:ext uri="{FF2B5EF4-FFF2-40B4-BE49-F238E27FC236}">
-                <a16:creationId xmlns:a16="http://schemas.microsoft.com/office/drawing/2014/main" id="{04531799-D720-5E44-AFB7-9BC8BB467728}"/>
-              </a:ext>
-            </a:extLst>
-          </p:cNvPr>
-          <p:cNvSpPr txBox="1"/>
-          <p:nvPr/>
-        </p:nvSpPr>
-        <p:spPr>
-          <a:xfrm>
-            <a:off x="5581748" y="4841607"/>
-            <a:ext cx="10950107" cy="1569660"/>
-          </a:xfrm>
-          <a:prstGeom prst="rect">
-            <a:avLst/>
-          </a:prstGeom>
-          <a:noFill/>
-        </p:spPr>
-        <p:txBody>
-          <a:bodyPr wrap="square" rtlCol="0">
-            <a:spAutoFit/>
-          </a:bodyPr>
-          <a:lstStyle/>
-          <a:p>
-            <a:r>
-              <a:rPr lang="en-CA" sz="2400" b="1" dirty="0"/>
-              <a:t>Then the update becomes</a:t>
-            </a:r>
-            <a:endParaRPr lang="en-CA" sz="2400" dirty="0"/>
-          </a:p>
-          <a:p>
-            <a:r>
-              <a:rPr lang="en-CA" sz="2400" dirty="0"/>
-              <a:t>ALL_S  = new success + previous successes</a:t>
-            </a:r>
-          </a:p>
-          <a:p>
-            <a:r>
-              <a:rPr lang="en-CA" sz="2400" dirty="0"/>
-              <a:t>ALL_T  = new trials + previous trials</a:t>
-            </a:r>
-          </a:p>
-          <a:p>
-            <a:r>
-              <a:rPr lang="en-CA" sz="2400" dirty="0"/>
-              <a:t>P(A| new information)  = Beta(1+ ALL_S, 1 + ALL_T)</a:t>
-            </a:r>
-          </a:p>
-        </p:txBody>
-      </p:sp>
       <p:sp>
         <p:nvSpPr>
           <p:cNvPr id="21" name="Fußzeilenplatzhalter 5">
@@ -7180,10 +7653,391 @@
       </p:cxnSp>
       <p:sp>
         <p:nvSpPr>
-          <p:cNvPr id="14" name="Fußzeilenplatzhalter 5">
-            <a:extLst>
-              <a:ext uri="{FF2B5EF4-FFF2-40B4-BE49-F238E27FC236}">
-                <a16:creationId xmlns:a16="http://schemas.microsoft.com/office/drawing/2014/main" id="{6DB9069D-7036-8747-9212-3E91ECD73263}"/>
+          <p:cNvPr id="2" name="TextBox 1">
+            <a:extLst>
+              <a:ext uri="{FF2B5EF4-FFF2-40B4-BE49-F238E27FC236}">
+                <a16:creationId xmlns:a16="http://schemas.microsoft.com/office/drawing/2014/main" id="{48CC89E0-C0F7-984C-A7FE-285FA7CC72AC}"/>
+              </a:ext>
+            </a:extLst>
+          </p:cNvPr>
+          <p:cNvSpPr txBox="1"/>
+          <p:nvPr/>
+        </p:nvSpPr>
+        <p:spPr>
+          <a:xfrm>
+            <a:off x="1202723" y="427284"/>
+            <a:ext cx="7983317" cy="523220"/>
+          </a:xfrm>
+          <a:prstGeom prst="rect">
+            <a:avLst/>
+          </a:prstGeom>
+          <a:noFill/>
+        </p:spPr>
+        <p:txBody>
+          <a:bodyPr wrap="square" rtlCol="0">
+            <a:spAutoFit/>
+          </a:bodyPr>
+          <a:lstStyle/>
+          <a:p>
+            <a:r>
+              <a:rPr lang="en-GB" sz="2800" dirty="0"/>
+              <a:t>Modelling </a:t>
+            </a:r>
+            <a:r>
+              <a:rPr lang="en-GB" sz="2800" dirty="0" err="1"/>
+              <a:t>Yes|No</a:t>
+            </a:r>
+            <a:r>
+              <a:rPr lang="en-GB" sz="2800" dirty="0"/>
+              <a:t> questions: Bernoulli distribution</a:t>
+            </a:r>
+            <a:endParaRPr lang="en-DE" sz="2800" dirty="0"/>
+          </a:p>
+        </p:txBody>
+      </p:sp>
+      <p:sp>
+        <p:nvSpPr>
+          <p:cNvPr id="7" name="TextBox 6">
+            <a:extLst>
+              <a:ext uri="{FF2B5EF4-FFF2-40B4-BE49-F238E27FC236}">
+                <a16:creationId xmlns:a16="http://schemas.microsoft.com/office/drawing/2014/main" id="{4C66541B-1923-4D4D-9C5C-2BB118FBF220}"/>
+              </a:ext>
+            </a:extLst>
+          </p:cNvPr>
+          <p:cNvSpPr txBox="1"/>
+          <p:nvPr/>
+        </p:nvSpPr>
+        <p:spPr>
+          <a:xfrm>
+            <a:off x="194872" y="1398799"/>
+            <a:ext cx="11572407" cy="1200329"/>
+          </a:xfrm>
+          <a:prstGeom prst="rect">
+            <a:avLst/>
+          </a:prstGeom>
+          <a:noFill/>
+        </p:spPr>
+        <p:txBody>
+          <a:bodyPr wrap="square" rtlCol="0">
+            <a:spAutoFit/>
+          </a:bodyPr>
+          <a:lstStyle/>
+          <a:p>
+            <a:r>
+              <a:rPr lang="en-CA" sz="2400" dirty="0"/>
+              <a:t>But if we able to cast the question in a particular way, and we are </a:t>
+            </a:r>
+            <a:r>
+              <a:rPr lang="en-CA" sz="2400" b="1" dirty="0"/>
+              <a:t>happy to guess the allowed shapes of the final PDFs</a:t>
+            </a:r>
+            <a:r>
+              <a:rPr lang="en-CA" sz="2400" dirty="0"/>
+              <a:t>, then we can (instantly) </a:t>
+            </a:r>
+            <a:r>
+              <a:rPr lang="en-CA" sz="2400" b="1" dirty="0"/>
+              <a:t>analytically</a:t>
+            </a:r>
+            <a:r>
+              <a:rPr lang="en-CA" sz="2400" dirty="0"/>
+              <a:t> determine all of the probabilities.</a:t>
+            </a:r>
+          </a:p>
+        </p:txBody>
+      </p:sp>
+      <p:sp>
+        <p:nvSpPr>
+          <p:cNvPr id="4" name="AutoShape 3" descr="p">
+            <a:extLst>
+              <a:ext uri="{FF2B5EF4-FFF2-40B4-BE49-F238E27FC236}">
+                <a16:creationId xmlns:a16="http://schemas.microsoft.com/office/drawing/2014/main" id="{4AB50021-ECF0-7E4E-B93D-5EBB5E75D2F5}"/>
+              </a:ext>
+            </a:extLst>
+          </p:cNvPr>
+          <p:cNvSpPr>
+            <a:spLocks noChangeAspect="1" noChangeArrowheads="1"/>
+          </p:cNvSpPr>
+          <p:nvPr/>
+        </p:nvSpPr>
+        <p:spPr bwMode="auto">
+          <a:xfrm>
+            <a:off x="4730750" y="-144463"/>
+            <a:ext cx="304800" cy="304801"/>
+          </a:xfrm>
+          <a:prstGeom prst="rect">
+            <a:avLst/>
+          </a:prstGeom>
+          <a:noFill/>
+          <a:extLst>
+            <a:ext uri="{909E8E84-426E-40DD-AFC4-6F175D3DCCD1}">
+              <a14:hiddenFill xmlns:a14="http://schemas.microsoft.com/office/drawing/2010/main">
+                <a:solidFill>
+                  <a:srgbClr val="FFFFFF"/>
+                </a:solidFill>
+              </a14:hiddenFill>
+            </a:ext>
+          </a:extLst>
+        </p:spPr>
+        <p:txBody>
+          <a:bodyPr vert="horz" wrap="square" lIns="91440" tIns="45720" rIns="91440" bIns="45720" numCol="1" anchor="t" anchorCtr="0" compatLnSpc="1">
+            <a:prstTxWarp prst="textNoShape">
+              <a:avLst/>
+            </a:prstTxWarp>
+          </a:bodyPr>
+          <a:lstStyle/>
+          <a:p>
+            <a:endParaRPr lang="en-DE" sz="2400"/>
+          </a:p>
+        </p:txBody>
+      </p:sp>
+      <p:sp>
+        <p:nvSpPr>
+          <p:cNvPr id="5" name="AutoShape 4" descr="{\displaystyle q=1-p}">
+            <a:extLst>
+              <a:ext uri="{FF2B5EF4-FFF2-40B4-BE49-F238E27FC236}">
+                <a16:creationId xmlns:a16="http://schemas.microsoft.com/office/drawing/2014/main" id="{009171E4-33AB-A94F-A95A-28366956FA4F}"/>
+              </a:ext>
+            </a:extLst>
+          </p:cNvPr>
+          <p:cNvSpPr>
+            <a:spLocks noChangeAspect="1" noChangeArrowheads="1"/>
+          </p:cNvSpPr>
+          <p:nvPr/>
+        </p:nvSpPr>
+        <p:spPr bwMode="auto">
+          <a:xfrm>
+            <a:off x="6935788" y="-144463"/>
+            <a:ext cx="304800" cy="304801"/>
+          </a:xfrm>
+          <a:prstGeom prst="rect">
+            <a:avLst/>
+          </a:prstGeom>
+          <a:noFill/>
+          <a:extLst>
+            <a:ext uri="{909E8E84-426E-40DD-AFC4-6F175D3DCCD1}">
+              <a14:hiddenFill xmlns:a14="http://schemas.microsoft.com/office/drawing/2010/main">
+                <a:solidFill>
+                  <a:srgbClr val="FFFFFF"/>
+                </a:solidFill>
+              </a14:hiddenFill>
+            </a:ext>
+          </a:extLst>
+        </p:spPr>
+        <p:txBody>
+          <a:bodyPr vert="horz" wrap="square" lIns="91440" tIns="45720" rIns="91440" bIns="45720" numCol="1" anchor="t" anchorCtr="0" compatLnSpc="1">
+            <a:prstTxWarp prst="textNoShape">
+              <a:avLst/>
+            </a:prstTxWarp>
+          </a:bodyPr>
+          <a:lstStyle/>
+          <a:p>
+            <a:endParaRPr lang="en-DE" sz="2400"/>
+          </a:p>
+        </p:txBody>
+      </p:sp>
+      <p:sp>
+        <p:nvSpPr>
+          <p:cNvPr id="17" name="TextBox 16">
+            <a:extLst>
+              <a:ext uri="{FF2B5EF4-FFF2-40B4-BE49-F238E27FC236}">
+                <a16:creationId xmlns:a16="http://schemas.microsoft.com/office/drawing/2014/main" id="{E3B4D259-9C38-2E49-8411-4E741B539342}"/>
+              </a:ext>
+            </a:extLst>
+          </p:cNvPr>
+          <p:cNvSpPr txBox="1"/>
+          <p:nvPr/>
+        </p:nvSpPr>
+        <p:spPr>
+          <a:xfrm>
+            <a:off x="506021" y="3065835"/>
+            <a:ext cx="10950107" cy="830997"/>
+          </a:xfrm>
+          <a:prstGeom prst="rect">
+            <a:avLst/>
+          </a:prstGeom>
+          <a:noFill/>
+        </p:spPr>
+        <p:txBody>
+          <a:bodyPr wrap="square" rtlCol="0">
+            <a:spAutoFit/>
+          </a:bodyPr>
+          <a:lstStyle/>
+          <a:p>
+            <a:r>
+              <a:rPr lang="en-CA" sz="2400" dirty="0"/>
+              <a:t>This allows the update process of P(A|B) to be </a:t>
+            </a:r>
+            <a:r>
+              <a:rPr lang="en-CA" sz="2400" b="1" dirty="0"/>
+              <a:t>analytically  and </a:t>
+            </a:r>
+            <a:r>
+              <a:rPr lang="en-CA" sz="2400" b="1" i="1" dirty="0"/>
+              <a:t>trivially</a:t>
+            </a:r>
+            <a:r>
+              <a:rPr lang="en-CA" sz="2400" dirty="0"/>
+              <a:t> calculated given new information.</a:t>
+            </a:r>
+          </a:p>
+        </p:txBody>
+      </p:sp>
+      <p:sp>
+        <p:nvSpPr>
+          <p:cNvPr id="18" name="TextBox 17">
+            <a:extLst>
+              <a:ext uri="{FF2B5EF4-FFF2-40B4-BE49-F238E27FC236}">
+                <a16:creationId xmlns:a16="http://schemas.microsoft.com/office/drawing/2014/main" id="{F6FCF588-F82F-6142-A0EC-02B3ACCB1CF2}"/>
+              </a:ext>
+            </a:extLst>
+          </p:cNvPr>
+          <p:cNvSpPr txBox="1"/>
+          <p:nvPr/>
+        </p:nvSpPr>
+        <p:spPr>
+          <a:xfrm>
+            <a:off x="506020" y="3847300"/>
+            <a:ext cx="10950107" cy="1200329"/>
+          </a:xfrm>
+          <a:prstGeom prst="rect">
+            <a:avLst/>
+          </a:prstGeom>
+          <a:noFill/>
+        </p:spPr>
+        <p:txBody>
+          <a:bodyPr wrap="square" rtlCol="0">
+            <a:spAutoFit/>
+          </a:bodyPr>
+          <a:lstStyle/>
+          <a:p>
+            <a:r>
+              <a:rPr lang="en-CA" sz="2400" dirty="0"/>
+              <a:t>N_S  = previous success</a:t>
+            </a:r>
+          </a:p>
+          <a:p>
+            <a:r>
+              <a:rPr lang="en-CA" sz="2400" dirty="0" err="1"/>
+              <a:t>N_t</a:t>
+            </a:r>
+            <a:r>
+              <a:rPr lang="en-CA" sz="2400" dirty="0"/>
+              <a:t>  = previous trials</a:t>
+            </a:r>
+          </a:p>
+          <a:p>
+            <a:r>
+              <a:rPr lang="en-CA" sz="2400" dirty="0"/>
+              <a:t>P(A) = Beta(1 + N_S, 1 + </a:t>
+            </a:r>
+            <a:r>
+              <a:rPr lang="en-CA" sz="2400" dirty="0" err="1"/>
+              <a:t>N_t</a:t>
+            </a:r>
+            <a:r>
+              <a:rPr lang="en-CA" sz="2400" dirty="0"/>
+              <a:t> – N_S) </a:t>
+            </a:r>
+          </a:p>
+        </p:txBody>
+      </p:sp>
+      <p:pic>
+        <p:nvPicPr>
+          <p:cNvPr id="19" name="Graphic 18">
+            <a:extLst>
+              <a:ext uri="{FF2B5EF4-FFF2-40B4-BE49-F238E27FC236}">
+                <a16:creationId xmlns:a16="http://schemas.microsoft.com/office/drawing/2014/main" id="{61D6E4AD-D792-5248-8FFF-104416D8828D}"/>
+              </a:ext>
+            </a:extLst>
+          </p:cNvPr>
+          <p:cNvPicPr>
+            <a:picLocks noChangeAspect="1"/>
+          </p:cNvPicPr>
+          <p:nvPr/>
+        </p:nvPicPr>
+        <p:blipFill>
+          <a:blip r:embed="rId3">
+            <a:extLst>
+              <a:ext uri="{96DAC541-7B7A-43D3-8B79-37D633B846F1}">
+                <asvg:svgBlip xmlns:asvg="http://schemas.microsoft.com/office/drawing/2016/SVG/main" r:embed="rId4"/>
+              </a:ext>
+            </a:extLst>
+          </a:blip>
+          <a:stretch>
+            <a:fillRect/>
+          </a:stretch>
+        </p:blipFill>
+        <p:spPr>
+          <a:xfrm>
+            <a:off x="3922908" y="2291709"/>
+            <a:ext cx="3317680" cy="788629"/>
+          </a:xfrm>
+          <a:prstGeom prst="rect">
+            <a:avLst/>
+          </a:prstGeom>
+        </p:spPr>
+      </p:pic>
+      <p:sp>
+        <p:nvSpPr>
+          <p:cNvPr id="20" name="TextBox 19">
+            <a:extLst>
+              <a:ext uri="{FF2B5EF4-FFF2-40B4-BE49-F238E27FC236}">
+                <a16:creationId xmlns:a16="http://schemas.microsoft.com/office/drawing/2014/main" id="{04531799-D720-5E44-AFB7-9BC8BB467728}"/>
+              </a:ext>
+            </a:extLst>
+          </p:cNvPr>
+          <p:cNvSpPr txBox="1"/>
+          <p:nvPr/>
+        </p:nvSpPr>
+        <p:spPr>
+          <a:xfrm>
+            <a:off x="5581748" y="4841607"/>
+            <a:ext cx="10950107" cy="1569660"/>
+          </a:xfrm>
+          <a:prstGeom prst="rect">
+            <a:avLst/>
+          </a:prstGeom>
+          <a:noFill/>
+        </p:spPr>
+        <p:txBody>
+          <a:bodyPr wrap="square" rtlCol="0">
+            <a:spAutoFit/>
+          </a:bodyPr>
+          <a:lstStyle/>
+          <a:p>
+            <a:r>
+              <a:rPr lang="en-CA" sz="2400" b="1" dirty="0"/>
+              <a:t>Then the update becomes</a:t>
+            </a:r>
+            <a:endParaRPr lang="en-CA" sz="2400" dirty="0"/>
+          </a:p>
+          <a:p>
+            <a:r>
+              <a:rPr lang="en-CA" sz="2400" dirty="0"/>
+              <a:t>ALL_S  = new success + previous successes</a:t>
+            </a:r>
+          </a:p>
+          <a:p>
+            <a:r>
+              <a:rPr lang="en-CA" sz="2400" dirty="0"/>
+              <a:t>ALL_T  = new trials + previous trials</a:t>
+            </a:r>
+          </a:p>
+          <a:p>
+            <a:r>
+              <a:rPr lang="en-CA" sz="2400" dirty="0"/>
+              <a:t>P(A| B)  = Beta(1+ ALL_S, 1 + ALL_T)</a:t>
+            </a:r>
+          </a:p>
+        </p:txBody>
+      </p:sp>
+      <p:sp>
+        <p:nvSpPr>
+          <p:cNvPr id="21" name="Fußzeilenplatzhalter 5">
+            <a:extLst>
+              <a:ext uri="{FF2B5EF4-FFF2-40B4-BE49-F238E27FC236}">
+                <a16:creationId xmlns:a16="http://schemas.microsoft.com/office/drawing/2014/main" id="{4F5DB85D-DC31-AB44-B942-70327DF9B76E}"/>
               </a:ext>
             </a:extLst>
           </p:cNvPr>
@@ -7337,10 +8191,10 @@
       </p:sp>
       <p:sp>
         <p:nvSpPr>
-          <p:cNvPr id="15" name="Datumsplatzhalter 4">
-            <a:extLst>
-              <a:ext uri="{FF2B5EF4-FFF2-40B4-BE49-F238E27FC236}">
-                <a16:creationId xmlns:a16="http://schemas.microsoft.com/office/drawing/2014/main" id="{5D06E2D4-FBF6-EB41-80E8-BFD2EA7650F0}"/>
+          <p:cNvPr id="22" name="Datumsplatzhalter 4">
+            <a:extLst>
+              <a:ext uri="{FF2B5EF4-FFF2-40B4-BE49-F238E27FC236}">
+                <a16:creationId xmlns:a16="http://schemas.microsoft.com/office/drawing/2014/main" id="{8A904C3A-6060-3D42-837A-70E05AA24370}"/>
               </a:ext>
             </a:extLst>
           </p:cNvPr>
@@ -7465,305 +8319,13 @@
           </a:p>
         </p:txBody>
       </p:sp>
-      <p:sp>
-        <p:nvSpPr>
-          <p:cNvPr id="2" name="TextBox 1">
-            <a:extLst>
-              <a:ext uri="{FF2B5EF4-FFF2-40B4-BE49-F238E27FC236}">
-                <a16:creationId xmlns:a16="http://schemas.microsoft.com/office/drawing/2014/main" id="{48CC89E0-C0F7-984C-A7FE-285FA7CC72AC}"/>
-              </a:ext>
-            </a:extLst>
-          </p:cNvPr>
-          <p:cNvSpPr txBox="1"/>
-          <p:nvPr/>
-        </p:nvSpPr>
-        <p:spPr>
-          <a:xfrm>
-            <a:off x="1202723" y="427284"/>
-            <a:ext cx="9530234" cy="523220"/>
-          </a:xfrm>
-          <a:prstGeom prst="rect">
-            <a:avLst/>
-          </a:prstGeom>
-          <a:noFill/>
-        </p:spPr>
-        <p:txBody>
-          <a:bodyPr wrap="square" rtlCol="0">
-            <a:spAutoFit/>
-          </a:bodyPr>
-          <a:lstStyle/>
-          <a:p>
-            <a:r>
-              <a:rPr lang="en-GB" sz="2800" dirty="0"/>
-              <a:t>When might this be useful? The multi-armed bandit problem</a:t>
-            </a:r>
-            <a:endParaRPr lang="en-DE" sz="2800" dirty="0"/>
-          </a:p>
-        </p:txBody>
-      </p:sp>
-      <p:sp>
-        <p:nvSpPr>
-          <p:cNvPr id="7" name="TextBox 6">
-            <a:extLst>
-              <a:ext uri="{FF2B5EF4-FFF2-40B4-BE49-F238E27FC236}">
-                <a16:creationId xmlns:a16="http://schemas.microsoft.com/office/drawing/2014/main" id="{4C66541B-1923-4D4D-9C5C-2BB118FBF220}"/>
-              </a:ext>
-            </a:extLst>
-          </p:cNvPr>
-          <p:cNvSpPr txBox="1"/>
-          <p:nvPr/>
-        </p:nvSpPr>
-        <p:spPr>
-          <a:xfrm>
-            <a:off x="528166" y="1389810"/>
-            <a:ext cx="11359034" cy="1569660"/>
-          </a:xfrm>
-          <a:prstGeom prst="rect">
-            <a:avLst/>
-          </a:prstGeom>
-          <a:noFill/>
-        </p:spPr>
-        <p:txBody>
-          <a:bodyPr wrap="square" rtlCol="0">
-            <a:spAutoFit/>
-          </a:bodyPr>
-          <a:lstStyle/>
-          <a:p>
-            <a:pPr marL="342900" indent="-342900">
-              <a:buFont typeface="Arial" panose="020B0604020202020204" pitchFamily="34" charset="0"/>
-              <a:buChar char="•"/>
-            </a:pPr>
-            <a:r>
-              <a:rPr lang="en-CA" sz="2400" dirty="0"/>
-              <a:t>You are in Las Vegas. In front of you are 5 slot-machines, (one armed bandit machines). Each machine has a different probability of paying out. You don’t know anything about the machines. What strategy should you take to maximise your reward?</a:t>
-            </a:r>
-            <a:r>
-              <a:rPr lang="en-CA" sz="2400" b="1" dirty="0"/>
-              <a:t> </a:t>
-            </a:r>
-          </a:p>
-          <a:p>
-            <a:pPr marL="1257300" lvl="2" indent="-342900">
-              <a:buFont typeface="Arial" panose="020B0604020202020204" pitchFamily="34" charset="0"/>
-              <a:buChar char="•"/>
-            </a:pPr>
-            <a:r>
-              <a:rPr lang="en-CA" sz="2400" b="1" dirty="0"/>
-              <a:t>P(pay out rate| information about machine j)</a:t>
-            </a:r>
-            <a:r>
-              <a:rPr lang="en-CA" sz="2400" dirty="0"/>
-              <a:t> </a:t>
-            </a:r>
-            <a:endParaRPr lang="en-CA" sz="2400" b="1" dirty="0"/>
-          </a:p>
-        </p:txBody>
-      </p:sp>
-      <p:sp>
-        <p:nvSpPr>
-          <p:cNvPr id="4" name="AutoShape 3" descr="p">
-            <a:extLst>
-              <a:ext uri="{FF2B5EF4-FFF2-40B4-BE49-F238E27FC236}">
-                <a16:creationId xmlns:a16="http://schemas.microsoft.com/office/drawing/2014/main" id="{4AB50021-ECF0-7E4E-B93D-5EBB5E75D2F5}"/>
-              </a:ext>
-            </a:extLst>
-          </p:cNvPr>
-          <p:cNvSpPr>
-            <a:spLocks noChangeAspect="1" noChangeArrowheads="1"/>
-          </p:cNvSpPr>
-          <p:nvPr/>
-        </p:nvSpPr>
-        <p:spPr bwMode="auto">
-          <a:xfrm>
-            <a:off x="4730750" y="-144463"/>
-            <a:ext cx="304800" cy="304801"/>
-          </a:xfrm>
-          <a:prstGeom prst="rect">
-            <a:avLst/>
-          </a:prstGeom>
-          <a:noFill/>
-          <a:extLst>
-            <a:ext uri="{909E8E84-426E-40DD-AFC4-6F175D3DCCD1}">
-              <a14:hiddenFill xmlns:a14="http://schemas.microsoft.com/office/drawing/2010/main">
-                <a:solidFill>
-                  <a:srgbClr val="FFFFFF"/>
-                </a:solidFill>
-              </a14:hiddenFill>
-            </a:ext>
-          </a:extLst>
-        </p:spPr>
-        <p:txBody>
-          <a:bodyPr vert="horz" wrap="square" lIns="91440" tIns="45720" rIns="91440" bIns="45720" numCol="1" anchor="t" anchorCtr="0" compatLnSpc="1">
-            <a:prstTxWarp prst="textNoShape">
-              <a:avLst/>
-            </a:prstTxWarp>
-          </a:bodyPr>
-          <a:lstStyle/>
-          <a:p>
-            <a:endParaRPr lang="en-DE"/>
-          </a:p>
-        </p:txBody>
-      </p:sp>
-      <p:sp>
-        <p:nvSpPr>
-          <p:cNvPr id="5" name="AutoShape 4" descr="{\displaystyle q=1-p}">
-            <a:extLst>
-              <a:ext uri="{FF2B5EF4-FFF2-40B4-BE49-F238E27FC236}">
-                <a16:creationId xmlns:a16="http://schemas.microsoft.com/office/drawing/2014/main" id="{009171E4-33AB-A94F-A95A-28366956FA4F}"/>
-              </a:ext>
-            </a:extLst>
-          </p:cNvPr>
-          <p:cNvSpPr>
-            <a:spLocks noChangeAspect="1" noChangeArrowheads="1"/>
-          </p:cNvSpPr>
-          <p:nvPr/>
-        </p:nvSpPr>
-        <p:spPr bwMode="auto">
-          <a:xfrm>
-            <a:off x="6935788" y="-144463"/>
-            <a:ext cx="304800" cy="304801"/>
-          </a:xfrm>
-          <a:prstGeom prst="rect">
-            <a:avLst/>
-          </a:prstGeom>
-          <a:noFill/>
-          <a:extLst>
-            <a:ext uri="{909E8E84-426E-40DD-AFC4-6F175D3DCCD1}">
-              <a14:hiddenFill xmlns:a14="http://schemas.microsoft.com/office/drawing/2010/main">
-                <a:solidFill>
-                  <a:srgbClr val="FFFFFF"/>
-                </a:solidFill>
-              </a14:hiddenFill>
-            </a:ext>
-          </a:extLst>
-        </p:spPr>
-        <p:txBody>
-          <a:bodyPr vert="horz" wrap="square" lIns="91440" tIns="45720" rIns="91440" bIns="45720" numCol="1" anchor="t" anchorCtr="0" compatLnSpc="1">
-            <a:prstTxWarp prst="textNoShape">
-              <a:avLst/>
-            </a:prstTxWarp>
-          </a:bodyPr>
-          <a:lstStyle/>
-          <a:p>
-            <a:endParaRPr lang="en-DE"/>
-          </a:p>
-        </p:txBody>
-      </p:sp>
-      <p:sp>
-        <p:nvSpPr>
-          <p:cNvPr id="16" name="TextBox 15">
-            <a:extLst>
-              <a:ext uri="{FF2B5EF4-FFF2-40B4-BE49-F238E27FC236}">
-                <a16:creationId xmlns:a16="http://schemas.microsoft.com/office/drawing/2014/main" id="{6551485A-1308-F544-8C09-8456232AF368}"/>
-              </a:ext>
-            </a:extLst>
-          </p:cNvPr>
-          <p:cNvSpPr txBox="1"/>
-          <p:nvPr/>
-        </p:nvSpPr>
-        <p:spPr>
-          <a:xfrm>
-            <a:off x="528167" y="4498694"/>
-            <a:ext cx="11359033" cy="1938992"/>
-          </a:xfrm>
-          <a:prstGeom prst="rect">
-            <a:avLst/>
-          </a:prstGeom>
-          <a:noFill/>
-        </p:spPr>
-        <p:txBody>
-          <a:bodyPr wrap="square" rtlCol="0">
-            <a:spAutoFit/>
-          </a:bodyPr>
-          <a:lstStyle/>
-          <a:p>
-            <a:pPr marL="342900" indent="-342900">
-              <a:buFont typeface="Arial" panose="020B0604020202020204" pitchFamily="34" charset="0"/>
-              <a:buChar char="•"/>
-            </a:pPr>
-            <a:r>
-              <a:rPr lang="en-CA" sz="2400" i="1" dirty="0"/>
-              <a:t>You own a website. </a:t>
-            </a:r>
-            <a:r>
-              <a:rPr lang="en-CA" sz="2400" dirty="0"/>
-              <a:t>You have 5 different creatives to show to your visitors, in an attempt to maximise a “</a:t>
-            </a:r>
-            <a:r>
-              <a:rPr lang="en-CA" sz="2400" b="1" dirty="0"/>
-              <a:t>click-through-rate</a:t>
-            </a:r>
-            <a:r>
-              <a:rPr lang="en-CA" sz="2400" dirty="0"/>
-              <a:t>” to get the visitor to the payment page.  You don’t know which creative provides the best click-through-rate.  Getting a visitor on your site is </a:t>
-            </a:r>
-            <a:r>
-              <a:rPr lang="en-CA" sz="2400" b="1" dirty="0"/>
-              <a:t>*expensive*, </a:t>
-            </a:r>
-            <a:r>
-              <a:rPr lang="en-CA" sz="2400" dirty="0"/>
-              <a:t>therefore you want to minimising the showing of a “bad” creative. What strategy should you take? Which creative should you show the visitor?</a:t>
-            </a:r>
-          </a:p>
-        </p:txBody>
-      </p:sp>
-      <p:sp>
-        <p:nvSpPr>
-          <p:cNvPr id="21" name="TextBox 20">
-            <a:extLst>
-              <a:ext uri="{FF2B5EF4-FFF2-40B4-BE49-F238E27FC236}">
-                <a16:creationId xmlns:a16="http://schemas.microsoft.com/office/drawing/2014/main" id="{B749BD0D-5D9A-F949-B4FD-DE68FB60503A}"/>
-              </a:ext>
-            </a:extLst>
-          </p:cNvPr>
-          <p:cNvSpPr txBox="1"/>
-          <p:nvPr/>
-        </p:nvSpPr>
-        <p:spPr>
-          <a:xfrm>
-            <a:off x="528166" y="3082350"/>
-            <a:ext cx="10564556" cy="1200329"/>
-          </a:xfrm>
-          <a:prstGeom prst="rect">
-            <a:avLst/>
-          </a:prstGeom>
-          <a:noFill/>
-        </p:spPr>
-        <p:txBody>
-          <a:bodyPr wrap="square" rtlCol="0">
-            <a:spAutoFit/>
-          </a:bodyPr>
-          <a:lstStyle/>
-          <a:p>
-            <a:pPr marL="342900" indent="-342900">
-              <a:buFont typeface="Arial" panose="020B0604020202020204" pitchFamily="34" charset="0"/>
-              <a:buChar char="•"/>
-            </a:pPr>
-            <a:r>
-              <a:rPr lang="en-CA" sz="2400" dirty="0"/>
-              <a:t>You are amazon. The user wants to look at a toaster. Which toaster should you recommend to them, to maximise a sale? </a:t>
-            </a:r>
-          </a:p>
-          <a:p>
-            <a:pPr marL="1257300" lvl="2" indent="-342900">
-              <a:buFont typeface="Arial" panose="020B0604020202020204" pitchFamily="34" charset="0"/>
-              <a:buChar char="•"/>
-            </a:pPr>
-            <a:r>
-              <a:rPr lang="en-CA" sz="2400" b="1" dirty="0"/>
-              <a:t>P(make a sale| toaster information)</a:t>
-            </a:r>
-          </a:p>
-        </p:txBody>
-      </p:sp>
     </p:spTree>
     <p:custDataLst>
       <p:tags r:id="rId1"/>
     </p:custDataLst>
     <p:extLst>
       <p:ext uri="{BB962C8B-B14F-4D97-AF65-F5344CB8AC3E}">
-        <p14:creationId xmlns:p14="http://schemas.microsoft.com/office/powerpoint/2010/main" val="3035598096"/>
+        <p14:creationId xmlns:p14="http://schemas.microsoft.com/office/powerpoint/2010/main" val="3821480105"/>
       </p:ext>
     </p:extLst>
   </p:cSld>
@@ -8195,7 +8757,7 @@
           <a:p>
             <a:r>
               <a:rPr lang="en-GB" sz="2800" dirty="0"/>
-              <a:t>Notebook part 1</a:t>
+              <a:t>When might this be useful? The multi-armed bandit problem</a:t>
             </a:r>
             <a:endParaRPr lang="en-DE" sz="2800" dirty="0"/>
           </a:p>
@@ -8216,7 +8778,7 @@
         <p:spPr>
           <a:xfrm>
             <a:off x="528166" y="1389810"/>
-            <a:ext cx="11359034" cy="461665"/>
+            <a:ext cx="11359034" cy="1569660"/>
           </a:xfrm>
           <a:prstGeom prst="rect">
             <a:avLst/>
@@ -8234,28 +8796,26 @@
               <a:buChar char="•"/>
             </a:pPr>
             <a:r>
+              <a:rPr lang="en-CA" sz="2400" dirty="0"/>
+              <a:t>You are in Las Vegas. In front of you are 5 slot-machines, (one armed bandit machines). Each machine has a different probability of paying out. You don’t know anything about the machines. What strategy should you take to maximise your reward?</a:t>
+            </a:r>
+            <a:r>
               <a:rPr lang="en-CA" sz="2400" b="1" dirty="0"/>
-              <a:t>Go here https://</a:t>
-            </a:r>
-            <a:r>
-              <a:rPr lang="en-CA" sz="2400" b="1" dirty="0" err="1"/>
-              <a:t>github.com</a:t>
-            </a:r>
+              <a:t> </a:t>
+            </a:r>
+          </a:p>
+          <a:p>
+            <a:pPr marL="1257300" lvl="2" indent="-342900">
+              <a:buFont typeface="Arial" panose="020B0604020202020204" pitchFamily="34" charset="0"/>
+              <a:buChar char="•"/>
+            </a:pPr>
             <a:r>
               <a:rPr lang="en-CA" sz="2400" b="1" dirty="0"/>
-              <a:t>/</a:t>
-            </a:r>
-            <a:r>
-              <a:rPr lang="en-CA" sz="2400" b="1" dirty="0" err="1"/>
-              <a:t>hoyleb</a:t>
-            </a:r>
-            <a:r>
-              <a:rPr lang="en-CA" sz="2400" b="1" dirty="0"/>
-              <a:t>/</a:t>
-            </a:r>
-            <a:r>
-              <a:rPr lang="en-CA" sz="2400" b="1" dirty="0" err="1"/>
-              <a:t>bayesian_bandit_demo</a:t>
+              <a:t>P(pay out rate| information about machine j)</a:t>
+            </a:r>
+            <a:r>
+              <a:rPr lang="en-CA" sz="2400" dirty="0"/>
+              <a:t> </a:t>
             </a:r>
             <a:endParaRPr lang="en-CA" sz="2400" b="1" dirty="0"/>
           </a:p>
@@ -8365,13 +8925,18 @@
         </p:nvSpPr>
         <p:spPr>
           <a:xfrm>
-            <a:off x="1561071" y="3524016"/>
-            <a:ext cx="11359033" cy="461665"/>
+            <a:off x="528167" y="4498694"/>
+            <a:ext cx="11359033" cy="1938992"/>
           </a:xfrm>
           <a:prstGeom prst="rect">
             <a:avLst/>
           </a:prstGeom>
-          <a:noFill/>
+          <a:solidFill>
+            <a:schemeClr val="accent1">
+              <a:lumMod val="40000"/>
+              <a:lumOff val="60000"/>
+            </a:schemeClr>
+          </a:solidFill>
         </p:spPr>
         <p:txBody>
           <a:bodyPr wrap="square" rtlCol="0">
@@ -8385,9 +8950,28 @@
             </a:pPr>
             <a:r>
               <a:rPr lang="en-CA" sz="2400" i="1" dirty="0"/>
-              <a:t>Complete parts 1 &amp; 2</a:t>
-            </a:r>
-            <a:endParaRPr lang="en-CA" sz="2400" dirty="0"/>
+              <a:t>You own a website. </a:t>
+            </a:r>
+            <a:r>
+              <a:rPr lang="en-CA" sz="2400" dirty="0"/>
+              <a:t>You have 5 different creatives to show to your visitors, in an attempt to maximise a “</a:t>
+            </a:r>
+            <a:r>
+              <a:rPr lang="en-CA" sz="2400" b="1" dirty="0"/>
+              <a:t>click-through-rate</a:t>
+            </a:r>
+            <a:r>
+              <a:rPr lang="en-CA" sz="2400" dirty="0"/>
+              <a:t>” to get the visitor to the payment page.  You don’t know which creative provides the best click-through-rate.  Getting a visitor on your site is </a:t>
+            </a:r>
+            <a:r>
+              <a:rPr lang="en-CA" sz="2400" b="1" dirty="0"/>
+              <a:t>*expensive*, </a:t>
+            </a:r>
+            <a:r>
+              <a:rPr lang="en-CA" sz="2400" dirty="0"/>
+              <a:t>therefore you want to minimising the showing of a “bad” creative. What strategy should you take? Which creative should you show the visitor?</a:t>
+            </a:r>
           </a:p>
         </p:txBody>
       </p:sp>
@@ -8405,7 +8989,7 @@
         </p:nvSpPr>
         <p:spPr>
           <a:xfrm>
-            <a:off x="528166" y="2228671"/>
+            <a:off x="528166" y="3082350"/>
             <a:ext cx="10564556" cy="1200329"/>
           </a:xfrm>
           <a:prstGeom prst="rect">
@@ -8424,33 +9008,18 @@
               <a:buChar char="•"/>
             </a:pPr>
             <a:r>
-              <a:rPr lang="en-CA" sz="2400" b="1" dirty="0"/>
-              <a:t>Enter notebooks/</a:t>
-            </a:r>
-          </a:p>
-          <a:p>
-            <a:pPr marL="342900" indent="-342900">
+              <a:rPr lang="en-CA" sz="2400" dirty="0"/>
+              <a:t>You are amazon. The user wants to look at a toaster. Which toaster should you recommend to them, to maximise a sale? </a:t>
+            </a:r>
+          </a:p>
+          <a:p>
+            <a:pPr marL="1257300" lvl="2" indent="-342900">
               <a:buFont typeface="Arial" panose="020B0604020202020204" pitchFamily="34" charset="0"/>
               <a:buChar char="•"/>
             </a:pPr>
-            <a:endParaRPr lang="en-CA" sz="2400" b="1" dirty="0"/>
-          </a:p>
-          <a:p>
-            <a:pPr marL="342900" indent="-342900">
-              <a:buFont typeface="Arial" panose="020B0604020202020204" pitchFamily="34" charset="0"/>
-              <a:buChar char="•"/>
-            </a:pPr>
             <a:r>
               <a:rPr lang="en-CA" sz="2400" b="1" dirty="0"/>
-              <a:t>Start the </a:t>
-            </a:r>
-            <a:r>
-              <a:rPr lang="en-CA" sz="2400" b="1" dirty="0" err="1"/>
-              <a:t>jupyter</a:t>
-            </a:r>
-            <a:r>
-              <a:rPr lang="en-CA" sz="2400" b="1" dirty="0"/>
-              <a:t> notebook</a:t>
+              <a:t>P(make a sale| toaster information, customer information)</a:t>
             </a:r>
           </a:p>
         </p:txBody>
@@ -8461,7 +9030,7 @@
     </p:custDataLst>
     <p:extLst>
       <p:ext uri="{BB962C8B-B14F-4D97-AF65-F5344CB8AC3E}">
-        <p14:creationId xmlns:p14="http://schemas.microsoft.com/office/powerpoint/2010/main" val="4224818531"/>
+        <p14:creationId xmlns:p14="http://schemas.microsoft.com/office/powerpoint/2010/main" val="3035598096"/>
       </p:ext>
     </p:extLst>
   </p:cSld>
@@ -8877,8 +9446,8 @@
         </p:nvSpPr>
         <p:spPr>
           <a:xfrm>
-            <a:off x="1202724" y="427284"/>
-            <a:ext cx="5226908" cy="523220"/>
+            <a:off x="1202723" y="427284"/>
+            <a:ext cx="9530234" cy="523220"/>
           </a:xfrm>
           <a:prstGeom prst="rect">
             <a:avLst/>
@@ -8892,9 +9461,10 @@
           <a:lstStyle/>
           <a:p>
             <a:r>
-              <a:rPr lang="en-DE" sz="2800" dirty="0"/>
-              <a:t>Notebooks and Docker containers</a:t>
-            </a:r>
+              <a:rPr lang="en-GB" sz="2800" dirty="0"/>
+              <a:t>The multi-armed bandit solution</a:t>
+            </a:r>
+            <a:endParaRPr lang="en-DE" sz="2800" dirty="0"/>
           </a:p>
         </p:txBody>
       </p:sp>
@@ -8912,8 +9482,8 @@
         </p:nvSpPr>
         <p:spPr>
           <a:xfrm>
-            <a:off x="1202723" y="1610498"/>
-            <a:ext cx="8211099" cy="1323439"/>
+            <a:off x="528166" y="1389810"/>
+            <a:ext cx="11359034" cy="3046988"/>
           </a:xfrm>
           <a:prstGeom prst="rect">
             <a:avLst/>
@@ -8926,22 +9496,295 @@
           </a:bodyPr>
           <a:lstStyle/>
           <a:p>
-            <a:r>
-              <a:rPr lang="en-GB" sz="2000" dirty="0"/>
-              <a:t>L</a:t>
-            </a:r>
-            <a:r>
-              <a:rPr lang="en-DE" sz="2000" dirty="0"/>
-              <a:t>et’s now package the project in a way that can be deployed locally, or on any cloud resource.</a:t>
-            </a:r>
-          </a:p>
-          <a:p>
-            <a:endParaRPr lang="en-DE" sz="2000" dirty="0"/>
-          </a:p>
-          <a:p>
-            <a:r>
-              <a:rPr lang="en-DE" sz="2000" dirty="0"/>
-              <a:t>Docker, python-flask,  interactive APIs</a:t>
+            <a:pPr marL="342900" indent="-342900">
+              <a:buFont typeface="Arial" panose="020B0604020202020204" pitchFamily="34" charset="0"/>
+              <a:buChar char="•"/>
+            </a:pPr>
+            <a:r>
+              <a:rPr lang="en-CA" sz="2400" dirty="0"/>
+              <a:t>The algorithm is quite straight forward. Image we have N creatives, </a:t>
+            </a:r>
+            <a:r>
+              <a:rPr lang="en-CA" sz="2400" dirty="0" err="1"/>
+              <a:t>i</a:t>
+            </a:r>
+            <a:r>
+              <a:rPr lang="en-CA" sz="2400" dirty="0"/>
+              <a:t>=0..N</a:t>
+            </a:r>
+          </a:p>
+          <a:p>
+            <a:r>
+              <a:rPr lang="en-CA" sz="2400" dirty="0"/>
+              <a:t>&gt;while True:</a:t>
+            </a:r>
+          </a:p>
+          <a:p>
+            <a:pPr marL="914400" lvl="1" indent="-457200">
+              <a:buFont typeface="+mj-lt"/>
+              <a:buAutoNum type="arabicPeriod"/>
+            </a:pPr>
+            <a:r>
+              <a:rPr lang="en-CA" sz="2400" dirty="0"/>
+              <a:t>Use your prior information to estimate PDFs: </a:t>
+            </a:r>
+            <a:r>
+              <a:rPr lang="en-CA" sz="2400" dirty="0" err="1"/>
+              <a:t>P_i</a:t>
+            </a:r>
+            <a:r>
+              <a:rPr lang="en-CA" sz="2400" dirty="0"/>
+              <a:t>(</a:t>
+            </a:r>
+            <a:r>
+              <a:rPr lang="en-CA" sz="2400" dirty="0" err="1"/>
+              <a:t>click_through_rate</a:t>
+            </a:r>
+            <a:r>
+              <a:rPr lang="en-CA" sz="2400" dirty="0"/>
+              <a:t>) for each N</a:t>
+            </a:r>
+          </a:p>
+          <a:p>
+            <a:pPr marL="914400" lvl="1" indent="-457200">
+              <a:buFont typeface="+mj-lt"/>
+              <a:buAutoNum type="arabicPeriod"/>
+            </a:pPr>
+            <a:r>
+              <a:rPr lang="en-CA" sz="2400" dirty="0"/>
+              <a:t>Draw a random sample from each of the N PDFs</a:t>
+            </a:r>
+          </a:p>
+          <a:p>
+            <a:pPr marL="914400" lvl="1" indent="-457200">
+              <a:buFont typeface="+mj-lt"/>
+              <a:buAutoNum type="arabicPeriod"/>
+            </a:pPr>
+            <a:r>
+              <a:rPr lang="en-CA" sz="2400" dirty="0"/>
+              <a:t>Choose the ”</a:t>
+            </a:r>
+            <a:r>
+              <a:rPr lang="en-CA" sz="2400" dirty="0" err="1"/>
+              <a:t>i</a:t>
+            </a:r>
+            <a:r>
+              <a:rPr lang="en-CA" sz="2400" dirty="0"/>
+              <a:t>” with the largest value</a:t>
+            </a:r>
+          </a:p>
+          <a:p>
+            <a:pPr marL="914400" lvl="1" indent="-457200">
+              <a:buFont typeface="+mj-lt"/>
+              <a:buAutoNum type="arabicPeriod"/>
+            </a:pPr>
+            <a:r>
+              <a:rPr lang="en-CA" sz="2400" dirty="0"/>
+              <a:t>Show “</a:t>
+            </a:r>
+            <a:r>
+              <a:rPr lang="en-CA" sz="2400" dirty="0" err="1"/>
+              <a:t>i</a:t>
+            </a:r>
+            <a:r>
+              <a:rPr lang="en-CA" sz="2400" dirty="0"/>
+              <a:t>” to the user</a:t>
+            </a:r>
+          </a:p>
+          <a:p>
+            <a:pPr marL="914400" lvl="1" indent="-457200">
+              <a:buFont typeface="+mj-lt"/>
+              <a:buAutoNum type="arabicPeriod"/>
+            </a:pPr>
+            <a:r>
+              <a:rPr lang="en-CA" sz="2400" dirty="0"/>
+              <a:t>Was this a success or a failure?</a:t>
+            </a:r>
+          </a:p>
+          <a:p>
+            <a:pPr marL="914400" lvl="1" indent="-457200">
+              <a:buFont typeface="+mj-lt"/>
+              <a:buAutoNum type="arabicPeriod"/>
+            </a:pPr>
+            <a:r>
+              <a:rPr lang="en-CA" sz="2400" dirty="0"/>
+              <a:t>Update the Bayesian information about creative “</a:t>
+            </a:r>
+            <a:r>
+              <a:rPr lang="en-CA" sz="2400" dirty="0" err="1"/>
+              <a:t>i</a:t>
+            </a:r>
+            <a:r>
+              <a:rPr lang="en-CA" sz="2400" dirty="0"/>
+              <a:t>”</a:t>
+            </a:r>
+          </a:p>
+        </p:txBody>
+      </p:sp>
+      <p:sp>
+        <p:nvSpPr>
+          <p:cNvPr id="4" name="AutoShape 3" descr="p">
+            <a:extLst>
+              <a:ext uri="{FF2B5EF4-FFF2-40B4-BE49-F238E27FC236}">
+                <a16:creationId xmlns:a16="http://schemas.microsoft.com/office/drawing/2014/main" id="{4AB50021-ECF0-7E4E-B93D-5EBB5E75D2F5}"/>
+              </a:ext>
+            </a:extLst>
+          </p:cNvPr>
+          <p:cNvSpPr>
+            <a:spLocks noChangeAspect="1" noChangeArrowheads="1"/>
+          </p:cNvSpPr>
+          <p:nvPr/>
+        </p:nvSpPr>
+        <p:spPr bwMode="auto">
+          <a:xfrm>
+            <a:off x="4730750" y="-144463"/>
+            <a:ext cx="304800" cy="304801"/>
+          </a:xfrm>
+          <a:prstGeom prst="rect">
+            <a:avLst/>
+          </a:prstGeom>
+          <a:noFill/>
+          <a:extLst>
+            <a:ext uri="{909E8E84-426E-40DD-AFC4-6F175D3DCCD1}">
+              <a14:hiddenFill xmlns:a14="http://schemas.microsoft.com/office/drawing/2010/main">
+                <a:solidFill>
+                  <a:srgbClr val="FFFFFF"/>
+                </a:solidFill>
+              </a14:hiddenFill>
+            </a:ext>
+          </a:extLst>
+        </p:spPr>
+        <p:txBody>
+          <a:bodyPr vert="horz" wrap="square" lIns="91440" tIns="45720" rIns="91440" bIns="45720" numCol="1" anchor="t" anchorCtr="0" compatLnSpc="1">
+            <a:prstTxWarp prst="textNoShape">
+              <a:avLst/>
+            </a:prstTxWarp>
+          </a:bodyPr>
+          <a:lstStyle/>
+          <a:p>
+            <a:endParaRPr lang="en-DE"/>
+          </a:p>
+        </p:txBody>
+      </p:sp>
+      <p:sp>
+        <p:nvSpPr>
+          <p:cNvPr id="5" name="AutoShape 4" descr="{\displaystyle q=1-p}">
+            <a:extLst>
+              <a:ext uri="{FF2B5EF4-FFF2-40B4-BE49-F238E27FC236}">
+                <a16:creationId xmlns:a16="http://schemas.microsoft.com/office/drawing/2014/main" id="{009171E4-33AB-A94F-A95A-28366956FA4F}"/>
+              </a:ext>
+            </a:extLst>
+          </p:cNvPr>
+          <p:cNvSpPr>
+            <a:spLocks noChangeAspect="1" noChangeArrowheads="1"/>
+          </p:cNvSpPr>
+          <p:nvPr/>
+        </p:nvSpPr>
+        <p:spPr bwMode="auto">
+          <a:xfrm>
+            <a:off x="6935788" y="-144463"/>
+            <a:ext cx="304800" cy="304801"/>
+          </a:xfrm>
+          <a:prstGeom prst="rect">
+            <a:avLst/>
+          </a:prstGeom>
+          <a:noFill/>
+          <a:extLst>
+            <a:ext uri="{909E8E84-426E-40DD-AFC4-6F175D3DCCD1}">
+              <a14:hiddenFill xmlns:a14="http://schemas.microsoft.com/office/drawing/2010/main">
+                <a:solidFill>
+                  <a:srgbClr val="FFFFFF"/>
+                </a:solidFill>
+              </a14:hiddenFill>
+            </a:ext>
+          </a:extLst>
+        </p:spPr>
+        <p:txBody>
+          <a:bodyPr vert="horz" wrap="square" lIns="91440" tIns="45720" rIns="91440" bIns="45720" numCol="1" anchor="t" anchorCtr="0" compatLnSpc="1">
+            <a:prstTxWarp prst="textNoShape">
+              <a:avLst/>
+            </a:prstTxWarp>
+          </a:bodyPr>
+          <a:lstStyle/>
+          <a:p>
+            <a:endParaRPr lang="en-DE"/>
+          </a:p>
+        </p:txBody>
+      </p:sp>
+      <p:sp>
+        <p:nvSpPr>
+          <p:cNvPr id="17" name="TextBox 16">
+            <a:extLst>
+              <a:ext uri="{FF2B5EF4-FFF2-40B4-BE49-F238E27FC236}">
+                <a16:creationId xmlns:a16="http://schemas.microsoft.com/office/drawing/2014/main" id="{1E104654-7134-4341-814C-4E91B5E39BAE}"/>
+              </a:ext>
+            </a:extLst>
+          </p:cNvPr>
+          <p:cNvSpPr txBox="1"/>
+          <p:nvPr/>
+        </p:nvSpPr>
+        <p:spPr>
+          <a:xfrm>
+            <a:off x="197966" y="4723290"/>
+            <a:ext cx="11359034" cy="830997"/>
+          </a:xfrm>
+          <a:prstGeom prst="rect">
+            <a:avLst/>
+          </a:prstGeom>
+          <a:noFill/>
+        </p:spPr>
+        <p:txBody>
+          <a:bodyPr wrap="square" rtlCol="0">
+            <a:spAutoFit/>
+          </a:bodyPr>
+          <a:lstStyle/>
+          <a:p>
+            <a:r>
+              <a:rPr lang="en-CA" sz="2400" dirty="0"/>
+              <a:t>It tells us, which choice should we make (which creative to show, or which lever to pull), based on our past information.</a:t>
+            </a:r>
+          </a:p>
+        </p:txBody>
+      </p:sp>
+      <p:sp>
+        <p:nvSpPr>
+          <p:cNvPr id="18" name="TextBox 17">
+            <a:extLst>
+              <a:ext uri="{FF2B5EF4-FFF2-40B4-BE49-F238E27FC236}">
+                <a16:creationId xmlns:a16="http://schemas.microsoft.com/office/drawing/2014/main" id="{EADEF7BC-298A-554F-A108-42081331919C}"/>
+              </a:ext>
+            </a:extLst>
+          </p:cNvPr>
+          <p:cNvSpPr txBox="1"/>
+          <p:nvPr/>
+        </p:nvSpPr>
+        <p:spPr>
+          <a:xfrm>
+            <a:off x="197966" y="5645888"/>
+            <a:ext cx="11359034" cy="830997"/>
+          </a:xfrm>
+          <a:prstGeom prst="rect">
+            <a:avLst/>
+          </a:prstGeom>
+          <a:noFill/>
+        </p:spPr>
+        <p:txBody>
+          <a:bodyPr wrap="square" rtlCol="0">
+            <a:spAutoFit/>
+          </a:bodyPr>
+          <a:lstStyle/>
+          <a:p>
+            <a:r>
+              <a:rPr lang="en-CA" sz="2400" dirty="0"/>
+              <a:t>We should use this algorithm, when each showing of “</a:t>
+            </a:r>
+            <a:r>
+              <a:rPr lang="en-CA" sz="2400" dirty="0" err="1"/>
+              <a:t>i</a:t>
+            </a:r>
+            <a:r>
+              <a:rPr lang="en-CA" sz="2400" dirty="0"/>
+              <a:t>”  costs (e.g. money or time/resources) and we want to reduce costs.</a:t>
             </a:r>
           </a:p>
         </p:txBody>
@@ -8952,7 +9795,7 @@
     </p:custDataLst>
     <p:extLst>
       <p:ext uri="{BB962C8B-B14F-4D97-AF65-F5344CB8AC3E}">
-        <p14:creationId xmlns:p14="http://schemas.microsoft.com/office/powerpoint/2010/main" val="2924021305"/>
+        <p14:creationId xmlns:p14="http://schemas.microsoft.com/office/powerpoint/2010/main" val="2216222604"/>
       </p:ext>
     </p:extLst>
   </p:cSld>
@@ -9384,9 +10227,69 @@
           <a:p>
             <a:r>
               <a:rPr lang="en-GB" sz="2800" dirty="0"/>
-              <a:t>Notebook part 3</a:t>
+              <a:t>Notebook part 1</a:t>
             </a:r>
             <a:endParaRPr lang="en-DE" sz="2800" dirty="0"/>
+          </a:p>
+        </p:txBody>
+      </p:sp>
+      <p:sp>
+        <p:nvSpPr>
+          <p:cNvPr id="7" name="TextBox 6">
+            <a:extLst>
+              <a:ext uri="{FF2B5EF4-FFF2-40B4-BE49-F238E27FC236}">
+                <a16:creationId xmlns:a16="http://schemas.microsoft.com/office/drawing/2014/main" id="{4C66541B-1923-4D4D-9C5C-2BB118FBF220}"/>
+              </a:ext>
+            </a:extLst>
+          </p:cNvPr>
+          <p:cNvSpPr txBox="1"/>
+          <p:nvPr/>
+        </p:nvSpPr>
+        <p:spPr>
+          <a:xfrm>
+            <a:off x="528166" y="1389810"/>
+            <a:ext cx="11359034" cy="461665"/>
+          </a:xfrm>
+          <a:prstGeom prst="rect">
+            <a:avLst/>
+          </a:prstGeom>
+          <a:noFill/>
+        </p:spPr>
+        <p:txBody>
+          <a:bodyPr wrap="square" rtlCol="0">
+            <a:spAutoFit/>
+          </a:bodyPr>
+          <a:lstStyle/>
+          <a:p>
+            <a:pPr marL="342900" indent="-342900">
+              <a:buFont typeface="Arial" panose="020B0604020202020204" pitchFamily="34" charset="0"/>
+              <a:buChar char="•"/>
+            </a:pPr>
+            <a:r>
+              <a:rPr lang="en-CA" sz="2400" b="1" dirty="0"/>
+              <a:t>Go here https://</a:t>
+            </a:r>
+            <a:r>
+              <a:rPr lang="en-CA" sz="2400" b="1" dirty="0" err="1"/>
+              <a:t>github.com</a:t>
+            </a:r>
+            <a:r>
+              <a:rPr lang="en-CA" sz="2400" b="1" dirty="0"/>
+              <a:t>/</a:t>
+            </a:r>
+            <a:r>
+              <a:rPr lang="en-CA" sz="2400" b="1" dirty="0" err="1"/>
+              <a:t>hoyleb</a:t>
+            </a:r>
+            <a:r>
+              <a:rPr lang="en-CA" sz="2400" b="1" dirty="0"/>
+              <a:t>/</a:t>
+            </a:r>
+            <a:r>
+              <a:rPr lang="en-CA" sz="2400" b="1" dirty="0" err="1"/>
+              <a:t>bayesian_bandit_demo</a:t>
+            </a:r>
+            <a:endParaRPr lang="en-CA" sz="2400" b="1" dirty="0"/>
           </a:p>
         </p:txBody>
       </p:sp>
@@ -9494,7 +10397,7 @@
         </p:nvSpPr>
         <p:spPr>
           <a:xfrm>
-            <a:off x="1408671" y="3217905"/>
+            <a:off x="1561071" y="3524016"/>
             <a:ext cx="11359033" cy="461665"/>
           </a:xfrm>
           <a:prstGeom prst="rect">
@@ -9514,15 +10417,7 @@
             </a:pPr>
             <a:r>
               <a:rPr lang="en-CA" sz="2400" i="1" dirty="0"/>
-              <a:t>Complete parts 3 in the </a:t>
-            </a:r>
-            <a:r>
-              <a:rPr lang="en-CA" sz="2400" i="1" dirty="0" err="1"/>
-              <a:t>jupyter</a:t>
-            </a:r>
-            <a:r>
-              <a:rPr lang="en-CA" sz="2400" i="1" dirty="0"/>
-              <a:t> notebook</a:t>
+              <a:t>Complete parts 1 &amp; 2</a:t>
             </a:r>
             <a:endParaRPr lang="en-CA" sz="2400" dirty="0"/>
           </a:p>
@@ -9542,7 +10437,7 @@
         </p:nvSpPr>
         <p:spPr>
           <a:xfrm>
-            <a:off x="475700" y="1767900"/>
+            <a:off x="528166" y="2228671"/>
             <a:ext cx="10564556" cy="1200329"/>
           </a:xfrm>
           <a:prstGeom prst="rect">
@@ -9562,15 +10457,7 @@
             </a:pPr>
             <a:r>
               <a:rPr lang="en-CA" sz="2400" b="1" dirty="0"/>
-              <a:t>Enter </a:t>
-            </a:r>
-            <a:r>
-              <a:rPr lang="en-CA" sz="2400" b="1" dirty="0" err="1"/>
-              <a:t>web_app</a:t>
-            </a:r>
-            <a:r>
-              <a:rPr lang="en-CA" sz="2400" b="1" dirty="0"/>
-              <a:t>/</a:t>
+              <a:t>Enter notebooks/</a:t>
             </a:r>
           </a:p>
           <a:p>
@@ -9587,7 +10474,15 @@
             </a:pPr>
             <a:r>
               <a:rPr lang="en-CA" sz="2400" b="1" dirty="0"/>
-              <a:t>Build the docker container</a:t>
+              <a:t>Start the </a:t>
+            </a:r>
+            <a:r>
+              <a:rPr lang="en-CA" sz="2400" b="1" dirty="0" err="1"/>
+              <a:t>jupyter</a:t>
+            </a:r>
+            <a:r>
+              <a:rPr lang="en-CA" sz="2400" b="1" dirty="0"/>
+              <a:t> notebook</a:t>
             </a:r>
           </a:p>
         </p:txBody>
@@ -9598,7 +10493,7 @@
     </p:custDataLst>
     <p:extLst>
       <p:ext uri="{BB962C8B-B14F-4D97-AF65-F5344CB8AC3E}">
-        <p14:creationId xmlns:p14="http://schemas.microsoft.com/office/powerpoint/2010/main" val="2551828519"/>
+        <p14:creationId xmlns:p14="http://schemas.microsoft.com/office/powerpoint/2010/main" val="4224818531"/>
       </p:ext>
     </p:extLst>
   </p:cSld>
@@ -10030,7 +10925,7 @@
           <a:p>
             <a:r>
               <a:rPr lang="en-DE" sz="2800" dirty="0"/>
-              <a:t>Summary</a:t>
+              <a:t>Notebooks and Docker containers</a:t>
             </a:r>
           </a:p>
         </p:txBody>
@@ -10049,8 +10944,8 @@
         </p:nvSpPr>
         <p:spPr>
           <a:xfrm>
-            <a:off x="1202723" y="1610497"/>
-            <a:ext cx="9350351" cy="2862322"/>
+            <a:off x="1202723" y="1610498"/>
+            <a:ext cx="8211099" cy="1323439"/>
           </a:xfrm>
           <a:prstGeom prst="rect">
             <a:avLst/>
@@ -10064,8 +10959,12 @@
           <a:lstStyle/>
           <a:p>
             <a:r>
+              <a:rPr lang="en-GB" sz="2000" dirty="0"/>
+              <a:t>L</a:t>
+            </a:r>
+            <a:r>
               <a:rPr lang="en-DE" sz="2000" dirty="0"/>
-              <a:t>Bayeisan Bandit algorithms can be used to tackle a range of interesting problems.</a:t>
+              <a:t>et’s now package the project in a way that can be deployed locally, or on any cloud resource.</a:t>
             </a:r>
           </a:p>
           <a:p>
@@ -10074,50 +10973,7 @@
           <a:p>
             <a:r>
               <a:rPr lang="en-DE" sz="2000" dirty="0"/>
-              <a:t>Even t</a:t>
-            </a:r>
-            <a:r>
-              <a:rPr lang="en-GB" sz="2000" dirty="0"/>
-              <a:t>he</a:t>
-            </a:r>
-            <a:r>
-              <a:rPr lang="en-DE" sz="2000" dirty="0"/>
-              <a:t> base algorithm is great! C</a:t>
-            </a:r>
-            <a:r>
-              <a:rPr lang="en-GB" sz="2000" dirty="0"/>
-              <a:t>h</a:t>
-            </a:r>
-            <a:r>
-              <a:rPr lang="en-DE" sz="2000" dirty="0"/>
-              <a:t>eck it out.</a:t>
-            </a:r>
-          </a:p>
-          <a:p>
-            <a:endParaRPr lang="en-DE" sz="2000" dirty="0"/>
-          </a:p>
-          <a:p>
-            <a:r>
-              <a:rPr lang="en-DE" sz="2000" dirty="0"/>
-              <a:t>An assumption about the shape of the PDF is required. </a:t>
-            </a:r>
-          </a:p>
-          <a:p>
-            <a:endParaRPr lang="en-DE" sz="2000" dirty="0"/>
-          </a:p>
-          <a:p>
-            <a:r>
-              <a:rPr lang="en-DE" sz="2000" dirty="0"/>
-              <a:t>Docker + flask + APIs make your life more stable!</a:t>
-            </a:r>
-          </a:p>
-          <a:p>
-            <a:endParaRPr lang="en-DE" sz="2000" dirty="0"/>
-          </a:p>
-          <a:p>
-            <a:r>
-              <a:rPr lang="en-DE" sz="2000" dirty="0"/>
-              <a:t>Internship opportunities at Carl Zeiss.</a:t>
+              <a:t>Docker, python-flask,  interactive APIs</a:t>
             </a:r>
           </a:p>
         </p:txBody>
@@ -10128,7 +10984,653 @@
     </p:custDataLst>
     <p:extLst>
       <p:ext uri="{BB962C8B-B14F-4D97-AF65-F5344CB8AC3E}">
-        <p14:creationId xmlns:p14="http://schemas.microsoft.com/office/powerpoint/2010/main" val="2687328211"/>
+        <p14:creationId xmlns:p14="http://schemas.microsoft.com/office/powerpoint/2010/main" val="2924021305"/>
+      </p:ext>
+    </p:extLst>
+  </p:cSld>
+  <p:clrMapOvr>
+    <a:masterClrMapping/>
+  </p:clrMapOvr>
+</p:sld>
+</file>
+
+<file path=ppt/slides/slide19.xml><?xml version="1.0" encoding="utf-8"?>
+<p:sld xmlns:a="http://schemas.openxmlformats.org/drawingml/2006/main" xmlns:r="http://schemas.openxmlformats.org/officeDocument/2006/relationships" xmlns:p="http://schemas.openxmlformats.org/presentationml/2006/main">
+  <p:cSld>
+    <p:spTree>
+      <p:nvGrpSpPr>
+        <p:cNvPr id="1" name=""/>
+        <p:cNvGrpSpPr/>
+        <p:nvPr/>
+      </p:nvGrpSpPr>
+      <p:grpSpPr>
+        <a:xfrm>
+          <a:off x="0" y="0"/>
+          <a:ext cx="0" cy="0"/>
+          <a:chOff x="0" y="0"/>
+          <a:chExt cx="0" cy="0"/>
+        </a:xfrm>
+      </p:grpSpPr>
+      <p:cxnSp>
+        <p:nvCxnSpPr>
+          <p:cNvPr id="12" name="Gerade Verbindung 9">
+            <a:extLst>
+              <a:ext uri="{FF2B5EF4-FFF2-40B4-BE49-F238E27FC236}">
+                <a16:creationId xmlns:a16="http://schemas.microsoft.com/office/drawing/2014/main" id="{2DC01388-451E-EF48-A339-8052A110164F}"/>
+              </a:ext>
+            </a:extLst>
+          </p:cNvPr>
+          <p:cNvCxnSpPr/>
+          <p:nvPr/>
+        </p:nvCxnSpPr>
+        <p:spPr>
+          <a:xfrm>
+            <a:off x="0" y="1212112"/>
+            <a:ext cx="12192000" cy="0"/>
+          </a:xfrm>
+          <a:prstGeom prst="line">
+            <a:avLst/>
+          </a:prstGeom>
+          <a:ln w="12700">
+            <a:solidFill>
+              <a:schemeClr val="accent3">
+                <a:lumMod val="60000"/>
+                <a:lumOff val="40000"/>
+              </a:schemeClr>
+            </a:solidFill>
+          </a:ln>
+        </p:spPr>
+        <p:style>
+          <a:lnRef idx="1">
+            <a:schemeClr val="dk1"/>
+          </a:lnRef>
+          <a:fillRef idx="0">
+            <a:schemeClr val="dk1"/>
+          </a:fillRef>
+          <a:effectRef idx="0">
+            <a:schemeClr val="dk1"/>
+          </a:effectRef>
+          <a:fontRef idx="minor">
+            <a:schemeClr val="tx1"/>
+          </a:fontRef>
+        </p:style>
+      </p:cxnSp>
+      <p:cxnSp>
+        <p:nvCxnSpPr>
+          <p:cNvPr id="13" name="Gerade Verbindung 13">
+            <a:extLst>
+              <a:ext uri="{FF2B5EF4-FFF2-40B4-BE49-F238E27FC236}">
+                <a16:creationId xmlns:a16="http://schemas.microsoft.com/office/drawing/2014/main" id="{142D5D3A-75C7-6344-946C-A22BC05FD636}"/>
+              </a:ext>
+            </a:extLst>
+          </p:cNvPr>
+          <p:cNvCxnSpPr/>
+          <p:nvPr/>
+        </p:nvCxnSpPr>
+        <p:spPr>
+          <a:xfrm flipH="1">
+            <a:off x="0" y="6581553"/>
+            <a:ext cx="12192000" cy="0"/>
+          </a:xfrm>
+          <a:prstGeom prst="line">
+            <a:avLst/>
+          </a:prstGeom>
+          <a:ln w="12700">
+            <a:solidFill>
+              <a:schemeClr val="accent3">
+                <a:lumMod val="60000"/>
+                <a:lumOff val="40000"/>
+              </a:schemeClr>
+            </a:solidFill>
+          </a:ln>
+        </p:spPr>
+        <p:style>
+          <a:lnRef idx="1">
+            <a:schemeClr val="accent1"/>
+          </a:lnRef>
+          <a:fillRef idx="0">
+            <a:schemeClr val="accent1"/>
+          </a:fillRef>
+          <a:effectRef idx="0">
+            <a:schemeClr val="accent1"/>
+          </a:effectRef>
+          <a:fontRef idx="minor">
+            <a:schemeClr val="tx1"/>
+          </a:fontRef>
+        </p:style>
+      </p:cxnSp>
+      <p:sp>
+        <p:nvSpPr>
+          <p:cNvPr id="14" name="Fußzeilenplatzhalter 5">
+            <a:extLst>
+              <a:ext uri="{FF2B5EF4-FFF2-40B4-BE49-F238E27FC236}">
+                <a16:creationId xmlns:a16="http://schemas.microsoft.com/office/drawing/2014/main" id="{6DB9069D-7036-8747-9212-3E91ECD73263}"/>
+              </a:ext>
+            </a:extLst>
+          </p:cNvPr>
+          <p:cNvSpPr txBox="1">
+            <a:spLocks/>
+          </p:cNvSpPr>
+          <p:nvPr/>
+        </p:nvSpPr>
+        <p:spPr>
+          <a:xfrm>
+            <a:off x="0" y="6581553"/>
+            <a:ext cx="4114800" cy="365125"/>
+          </a:xfrm>
+          <a:prstGeom prst="rect">
+            <a:avLst/>
+          </a:prstGeom>
+        </p:spPr>
+        <p:txBody>
+          <a:bodyPr/>
+          <a:lstStyle>
+            <a:defPPr>
+              <a:defRPr lang="en-DE"/>
+            </a:defPPr>
+            <a:lvl1pPr marL="0" algn="l" defTabSz="914400" rtl="0" eaLnBrk="1" latinLnBrk="0" hangingPunct="1">
+              <a:defRPr sz="1800" kern="1200">
+                <a:solidFill>
+                  <a:schemeClr val="tx1"/>
+                </a:solidFill>
+                <a:latin typeface="+mn-lt"/>
+                <a:ea typeface="+mn-ea"/>
+                <a:cs typeface="+mn-cs"/>
+              </a:defRPr>
+            </a:lvl1pPr>
+            <a:lvl2pPr marL="457200" algn="l" defTabSz="914400" rtl="0" eaLnBrk="1" latinLnBrk="0" hangingPunct="1">
+              <a:defRPr sz="1800" kern="1200">
+                <a:solidFill>
+                  <a:schemeClr val="tx1"/>
+                </a:solidFill>
+                <a:latin typeface="+mn-lt"/>
+                <a:ea typeface="+mn-ea"/>
+                <a:cs typeface="+mn-cs"/>
+              </a:defRPr>
+            </a:lvl2pPr>
+            <a:lvl3pPr marL="914400" algn="l" defTabSz="914400" rtl="0" eaLnBrk="1" latinLnBrk="0" hangingPunct="1">
+              <a:defRPr sz="1800" kern="1200">
+                <a:solidFill>
+                  <a:schemeClr val="tx1"/>
+                </a:solidFill>
+                <a:latin typeface="+mn-lt"/>
+                <a:ea typeface="+mn-ea"/>
+                <a:cs typeface="+mn-cs"/>
+              </a:defRPr>
+            </a:lvl3pPr>
+            <a:lvl4pPr marL="1371600" algn="l" defTabSz="914400" rtl="0" eaLnBrk="1" latinLnBrk="0" hangingPunct="1">
+              <a:defRPr sz="1800" kern="1200">
+                <a:solidFill>
+                  <a:schemeClr val="tx1"/>
+                </a:solidFill>
+                <a:latin typeface="+mn-lt"/>
+                <a:ea typeface="+mn-ea"/>
+                <a:cs typeface="+mn-cs"/>
+              </a:defRPr>
+            </a:lvl4pPr>
+            <a:lvl5pPr marL="1828800" algn="l" defTabSz="914400" rtl="0" eaLnBrk="1" latinLnBrk="0" hangingPunct="1">
+              <a:defRPr sz="1800" kern="1200">
+                <a:solidFill>
+                  <a:schemeClr val="tx1"/>
+                </a:solidFill>
+                <a:latin typeface="+mn-lt"/>
+                <a:ea typeface="+mn-ea"/>
+                <a:cs typeface="+mn-cs"/>
+              </a:defRPr>
+            </a:lvl5pPr>
+            <a:lvl6pPr marL="2286000" algn="l" defTabSz="914400" rtl="0" eaLnBrk="1" latinLnBrk="0" hangingPunct="1">
+              <a:defRPr sz="1800" kern="1200">
+                <a:solidFill>
+                  <a:schemeClr val="tx1"/>
+                </a:solidFill>
+                <a:latin typeface="+mn-lt"/>
+                <a:ea typeface="+mn-ea"/>
+                <a:cs typeface="+mn-cs"/>
+              </a:defRPr>
+            </a:lvl6pPr>
+            <a:lvl7pPr marL="2743200" algn="l" defTabSz="914400" rtl="0" eaLnBrk="1" latinLnBrk="0" hangingPunct="1">
+              <a:defRPr sz="1800" kern="1200">
+                <a:solidFill>
+                  <a:schemeClr val="tx1"/>
+                </a:solidFill>
+                <a:latin typeface="+mn-lt"/>
+                <a:ea typeface="+mn-ea"/>
+                <a:cs typeface="+mn-cs"/>
+              </a:defRPr>
+            </a:lvl7pPr>
+            <a:lvl8pPr marL="3200400" algn="l" defTabSz="914400" rtl="0" eaLnBrk="1" latinLnBrk="0" hangingPunct="1">
+              <a:defRPr sz="1800" kern="1200">
+                <a:solidFill>
+                  <a:schemeClr val="tx1"/>
+                </a:solidFill>
+                <a:latin typeface="+mn-lt"/>
+                <a:ea typeface="+mn-ea"/>
+                <a:cs typeface="+mn-cs"/>
+              </a:defRPr>
+            </a:lvl8pPr>
+            <a:lvl9pPr marL="3657600" algn="l" defTabSz="914400" rtl="0" eaLnBrk="1" latinLnBrk="0" hangingPunct="1">
+              <a:defRPr sz="1800" kern="1200">
+                <a:solidFill>
+                  <a:schemeClr val="tx1"/>
+                </a:solidFill>
+                <a:latin typeface="+mn-lt"/>
+                <a:ea typeface="+mn-ea"/>
+                <a:cs typeface="+mn-cs"/>
+              </a:defRPr>
+            </a:lvl9pPr>
+          </a:lstStyle>
+          <a:p>
+            <a:r>
+              <a:rPr lang="de-DE" sz="1000" dirty="0" err="1">
+                <a:latin typeface="ZEISS Frutiger Next W1G" panose="020B0503040204020203" pitchFamily="34" charset="0"/>
+              </a:rPr>
+              <a:t>Hoyle</a:t>
+            </a:r>
+            <a:r>
+              <a:rPr lang="de-DE" sz="1000" dirty="0">
+                <a:latin typeface="ZEISS Frutiger Next W1G" panose="020B0503040204020203" pitchFamily="34" charset="0"/>
+              </a:rPr>
+              <a:t>: </a:t>
+            </a:r>
+            <a:r>
+              <a:rPr lang="de-DE" sz="1000" dirty="0" err="1">
+                <a:latin typeface="ZEISS Frutiger Next W1G" panose="020B0503040204020203" pitchFamily="34" charset="0"/>
+              </a:rPr>
+              <a:t>Bayesian</a:t>
+            </a:r>
+            <a:r>
+              <a:rPr lang="de-DE" sz="1000" dirty="0">
+                <a:latin typeface="ZEISS Frutiger Next W1G" panose="020B0503040204020203" pitchFamily="34" charset="0"/>
+              </a:rPr>
+              <a:t> </a:t>
+            </a:r>
+            <a:r>
+              <a:rPr lang="de-DE" sz="1000" dirty="0" err="1">
+                <a:latin typeface="ZEISS Frutiger Next W1G" panose="020B0503040204020203" pitchFamily="34" charset="0"/>
+              </a:rPr>
+              <a:t>Bandits</a:t>
+            </a:r>
+            <a:endParaRPr lang="de-DE" sz="1000" dirty="0">
+              <a:latin typeface="ZEISS Frutiger Next W1G" panose="020B0503040204020203" pitchFamily="34" charset="0"/>
+            </a:endParaRPr>
+          </a:p>
+        </p:txBody>
+      </p:sp>
+      <p:sp>
+        <p:nvSpPr>
+          <p:cNvPr id="15" name="Datumsplatzhalter 4">
+            <a:extLst>
+              <a:ext uri="{FF2B5EF4-FFF2-40B4-BE49-F238E27FC236}">
+                <a16:creationId xmlns:a16="http://schemas.microsoft.com/office/drawing/2014/main" id="{5D06E2D4-FBF6-EB41-80E8-BFD2EA7650F0}"/>
+              </a:ext>
+            </a:extLst>
+          </p:cNvPr>
+          <p:cNvSpPr txBox="1">
+            <a:spLocks/>
+          </p:cNvSpPr>
+          <p:nvPr/>
+        </p:nvSpPr>
+        <p:spPr>
+          <a:xfrm>
+            <a:off x="11207602" y="6601667"/>
+            <a:ext cx="1968796" cy="276448"/>
+          </a:xfrm>
+          <a:prstGeom prst="rect">
+            <a:avLst/>
+          </a:prstGeom>
+        </p:spPr>
+        <p:txBody>
+          <a:bodyPr/>
+          <a:lstStyle>
+            <a:defPPr>
+              <a:defRPr lang="en-DE"/>
+            </a:defPPr>
+            <a:lvl1pPr marL="0" algn="l" defTabSz="914400" rtl="0" eaLnBrk="1" latinLnBrk="0" hangingPunct="1">
+              <a:defRPr sz="1800" kern="1200">
+                <a:solidFill>
+                  <a:schemeClr val="tx1"/>
+                </a:solidFill>
+                <a:latin typeface="+mn-lt"/>
+                <a:ea typeface="+mn-ea"/>
+                <a:cs typeface="+mn-cs"/>
+              </a:defRPr>
+            </a:lvl1pPr>
+            <a:lvl2pPr marL="457200" algn="l" defTabSz="914400" rtl="0" eaLnBrk="1" latinLnBrk="0" hangingPunct="1">
+              <a:defRPr sz="1800" kern="1200">
+                <a:solidFill>
+                  <a:schemeClr val="tx1"/>
+                </a:solidFill>
+                <a:latin typeface="+mn-lt"/>
+                <a:ea typeface="+mn-ea"/>
+                <a:cs typeface="+mn-cs"/>
+              </a:defRPr>
+            </a:lvl2pPr>
+            <a:lvl3pPr marL="914400" algn="l" defTabSz="914400" rtl="0" eaLnBrk="1" latinLnBrk="0" hangingPunct="1">
+              <a:defRPr sz="1800" kern="1200">
+                <a:solidFill>
+                  <a:schemeClr val="tx1"/>
+                </a:solidFill>
+                <a:latin typeface="+mn-lt"/>
+                <a:ea typeface="+mn-ea"/>
+                <a:cs typeface="+mn-cs"/>
+              </a:defRPr>
+            </a:lvl3pPr>
+            <a:lvl4pPr marL="1371600" algn="l" defTabSz="914400" rtl="0" eaLnBrk="1" latinLnBrk="0" hangingPunct="1">
+              <a:defRPr sz="1800" kern="1200">
+                <a:solidFill>
+                  <a:schemeClr val="tx1"/>
+                </a:solidFill>
+                <a:latin typeface="+mn-lt"/>
+                <a:ea typeface="+mn-ea"/>
+                <a:cs typeface="+mn-cs"/>
+              </a:defRPr>
+            </a:lvl4pPr>
+            <a:lvl5pPr marL="1828800" algn="l" defTabSz="914400" rtl="0" eaLnBrk="1" latinLnBrk="0" hangingPunct="1">
+              <a:defRPr sz="1800" kern="1200">
+                <a:solidFill>
+                  <a:schemeClr val="tx1"/>
+                </a:solidFill>
+                <a:latin typeface="+mn-lt"/>
+                <a:ea typeface="+mn-ea"/>
+                <a:cs typeface="+mn-cs"/>
+              </a:defRPr>
+            </a:lvl5pPr>
+            <a:lvl6pPr marL="2286000" algn="l" defTabSz="914400" rtl="0" eaLnBrk="1" latinLnBrk="0" hangingPunct="1">
+              <a:defRPr sz="1800" kern="1200">
+                <a:solidFill>
+                  <a:schemeClr val="tx1"/>
+                </a:solidFill>
+                <a:latin typeface="+mn-lt"/>
+                <a:ea typeface="+mn-ea"/>
+                <a:cs typeface="+mn-cs"/>
+              </a:defRPr>
+            </a:lvl6pPr>
+            <a:lvl7pPr marL="2743200" algn="l" defTabSz="914400" rtl="0" eaLnBrk="1" latinLnBrk="0" hangingPunct="1">
+              <a:defRPr sz="1800" kern="1200">
+                <a:solidFill>
+                  <a:schemeClr val="tx1"/>
+                </a:solidFill>
+                <a:latin typeface="+mn-lt"/>
+                <a:ea typeface="+mn-ea"/>
+                <a:cs typeface="+mn-cs"/>
+              </a:defRPr>
+            </a:lvl7pPr>
+            <a:lvl8pPr marL="3200400" algn="l" defTabSz="914400" rtl="0" eaLnBrk="1" latinLnBrk="0" hangingPunct="1">
+              <a:defRPr sz="1800" kern="1200">
+                <a:solidFill>
+                  <a:schemeClr val="tx1"/>
+                </a:solidFill>
+                <a:latin typeface="+mn-lt"/>
+                <a:ea typeface="+mn-ea"/>
+                <a:cs typeface="+mn-cs"/>
+              </a:defRPr>
+            </a:lvl8pPr>
+            <a:lvl9pPr marL="3657600" algn="l" defTabSz="914400" rtl="0" eaLnBrk="1" latinLnBrk="0" hangingPunct="1">
+              <a:defRPr sz="1800" kern="1200">
+                <a:solidFill>
+                  <a:schemeClr val="tx1"/>
+                </a:solidFill>
+                <a:latin typeface="+mn-lt"/>
+                <a:ea typeface="+mn-ea"/>
+                <a:cs typeface="+mn-cs"/>
+              </a:defRPr>
+            </a:lvl9pPr>
+          </a:lstStyle>
+          <a:p>
+            <a:r>
+              <a:rPr lang="de-DE" sz="1000" dirty="0">
+                <a:latin typeface="ZEISS Frutiger Next W1G" panose="020B0503040204020203" pitchFamily="34" charset="0"/>
+              </a:rPr>
+              <a:t>12.Aug.20</a:t>
+            </a:r>
+          </a:p>
+        </p:txBody>
+      </p:sp>
+      <p:sp>
+        <p:nvSpPr>
+          <p:cNvPr id="2" name="TextBox 1">
+            <a:extLst>
+              <a:ext uri="{FF2B5EF4-FFF2-40B4-BE49-F238E27FC236}">
+                <a16:creationId xmlns:a16="http://schemas.microsoft.com/office/drawing/2014/main" id="{48CC89E0-C0F7-984C-A7FE-285FA7CC72AC}"/>
+              </a:ext>
+            </a:extLst>
+          </p:cNvPr>
+          <p:cNvSpPr txBox="1"/>
+          <p:nvPr/>
+        </p:nvSpPr>
+        <p:spPr>
+          <a:xfrm>
+            <a:off x="1202723" y="427284"/>
+            <a:ext cx="9530234" cy="523220"/>
+          </a:xfrm>
+          <a:prstGeom prst="rect">
+            <a:avLst/>
+          </a:prstGeom>
+          <a:noFill/>
+        </p:spPr>
+        <p:txBody>
+          <a:bodyPr wrap="square" rtlCol="0">
+            <a:spAutoFit/>
+          </a:bodyPr>
+          <a:lstStyle/>
+          <a:p>
+            <a:r>
+              <a:rPr lang="en-GB" sz="2800" dirty="0"/>
+              <a:t>Notebook part 3</a:t>
+            </a:r>
+            <a:endParaRPr lang="en-DE" sz="2800" dirty="0"/>
+          </a:p>
+        </p:txBody>
+      </p:sp>
+      <p:sp>
+        <p:nvSpPr>
+          <p:cNvPr id="4" name="AutoShape 3" descr="p">
+            <a:extLst>
+              <a:ext uri="{FF2B5EF4-FFF2-40B4-BE49-F238E27FC236}">
+                <a16:creationId xmlns:a16="http://schemas.microsoft.com/office/drawing/2014/main" id="{4AB50021-ECF0-7E4E-B93D-5EBB5E75D2F5}"/>
+              </a:ext>
+            </a:extLst>
+          </p:cNvPr>
+          <p:cNvSpPr>
+            <a:spLocks noChangeAspect="1" noChangeArrowheads="1"/>
+          </p:cNvSpPr>
+          <p:nvPr/>
+        </p:nvSpPr>
+        <p:spPr bwMode="auto">
+          <a:xfrm>
+            <a:off x="4730750" y="-144463"/>
+            <a:ext cx="304800" cy="304801"/>
+          </a:xfrm>
+          <a:prstGeom prst="rect">
+            <a:avLst/>
+          </a:prstGeom>
+          <a:noFill/>
+          <a:extLst>
+            <a:ext uri="{909E8E84-426E-40DD-AFC4-6F175D3DCCD1}">
+              <a14:hiddenFill xmlns:a14="http://schemas.microsoft.com/office/drawing/2010/main">
+                <a:solidFill>
+                  <a:srgbClr val="FFFFFF"/>
+                </a:solidFill>
+              </a14:hiddenFill>
+            </a:ext>
+          </a:extLst>
+        </p:spPr>
+        <p:txBody>
+          <a:bodyPr vert="horz" wrap="square" lIns="91440" tIns="45720" rIns="91440" bIns="45720" numCol="1" anchor="t" anchorCtr="0" compatLnSpc="1">
+            <a:prstTxWarp prst="textNoShape">
+              <a:avLst/>
+            </a:prstTxWarp>
+          </a:bodyPr>
+          <a:lstStyle/>
+          <a:p>
+            <a:endParaRPr lang="en-DE"/>
+          </a:p>
+        </p:txBody>
+      </p:sp>
+      <p:sp>
+        <p:nvSpPr>
+          <p:cNvPr id="5" name="AutoShape 4" descr="{\displaystyle q=1-p}">
+            <a:extLst>
+              <a:ext uri="{FF2B5EF4-FFF2-40B4-BE49-F238E27FC236}">
+                <a16:creationId xmlns:a16="http://schemas.microsoft.com/office/drawing/2014/main" id="{009171E4-33AB-A94F-A95A-28366956FA4F}"/>
+              </a:ext>
+            </a:extLst>
+          </p:cNvPr>
+          <p:cNvSpPr>
+            <a:spLocks noChangeAspect="1" noChangeArrowheads="1"/>
+          </p:cNvSpPr>
+          <p:nvPr/>
+        </p:nvSpPr>
+        <p:spPr bwMode="auto">
+          <a:xfrm>
+            <a:off x="6935788" y="-144463"/>
+            <a:ext cx="304800" cy="304801"/>
+          </a:xfrm>
+          <a:prstGeom prst="rect">
+            <a:avLst/>
+          </a:prstGeom>
+          <a:noFill/>
+          <a:extLst>
+            <a:ext uri="{909E8E84-426E-40DD-AFC4-6F175D3DCCD1}">
+              <a14:hiddenFill xmlns:a14="http://schemas.microsoft.com/office/drawing/2010/main">
+                <a:solidFill>
+                  <a:srgbClr val="FFFFFF"/>
+                </a:solidFill>
+              </a14:hiddenFill>
+            </a:ext>
+          </a:extLst>
+        </p:spPr>
+        <p:txBody>
+          <a:bodyPr vert="horz" wrap="square" lIns="91440" tIns="45720" rIns="91440" bIns="45720" numCol="1" anchor="t" anchorCtr="0" compatLnSpc="1">
+            <a:prstTxWarp prst="textNoShape">
+              <a:avLst/>
+            </a:prstTxWarp>
+          </a:bodyPr>
+          <a:lstStyle/>
+          <a:p>
+            <a:endParaRPr lang="en-DE"/>
+          </a:p>
+        </p:txBody>
+      </p:sp>
+      <p:sp>
+        <p:nvSpPr>
+          <p:cNvPr id="16" name="TextBox 15">
+            <a:extLst>
+              <a:ext uri="{FF2B5EF4-FFF2-40B4-BE49-F238E27FC236}">
+                <a16:creationId xmlns:a16="http://schemas.microsoft.com/office/drawing/2014/main" id="{6551485A-1308-F544-8C09-8456232AF368}"/>
+              </a:ext>
+            </a:extLst>
+          </p:cNvPr>
+          <p:cNvSpPr txBox="1"/>
+          <p:nvPr/>
+        </p:nvSpPr>
+        <p:spPr>
+          <a:xfrm>
+            <a:off x="1408671" y="3217905"/>
+            <a:ext cx="11359033" cy="461665"/>
+          </a:xfrm>
+          <a:prstGeom prst="rect">
+            <a:avLst/>
+          </a:prstGeom>
+          <a:noFill/>
+        </p:spPr>
+        <p:txBody>
+          <a:bodyPr wrap="square" rtlCol="0">
+            <a:spAutoFit/>
+          </a:bodyPr>
+          <a:lstStyle/>
+          <a:p>
+            <a:pPr marL="342900" indent="-342900">
+              <a:buFont typeface="Arial" panose="020B0604020202020204" pitchFamily="34" charset="0"/>
+              <a:buChar char="•"/>
+            </a:pPr>
+            <a:r>
+              <a:rPr lang="en-CA" sz="2400" i="1" dirty="0"/>
+              <a:t>Complete parts 3 in the </a:t>
+            </a:r>
+            <a:r>
+              <a:rPr lang="en-CA" sz="2400" i="1" dirty="0" err="1"/>
+              <a:t>jupyter</a:t>
+            </a:r>
+            <a:r>
+              <a:rPr lang="en-CA" sz="2400" i="1" dirty="0"/>
+              <a:t> notebook</a:t>
+            </a:r>
+            <a:endParaRPr lang="en-CA" sz="2400" dirty="0"/>
+          </a:p>
+        </p:txBody>
+      </p:sp>
+      <p:sp>
+        <p:nvSpPr>
+          <p:cNvPr id="21" name="TextBox 20">
+            <a:extLst>
+              <a:ext uri="{FF2B5EF4-FFF2-40B4-BE49-F238E27FC236}">
+                <a16:creationId xmlns:a16="http://schemas.microsoft.com/office/drawing/2014/main" id="{B749BD0D-5D9A-F949-B4FD-DE68FB60503A}"/>
+              </a:ext>
+            </a:extLst>
+          </p:cNvPr>
+          <p:cNvSpPr txBox="1"/>
+          <p:nvPr/>
+        </p:nvSpPr>
+        <p:spPr>
+          <a:xfrm>
+            <a:off x="475700" y="1767900"/>
+            <a:ext cx="10564556" cy="1200329"/>
+          </a:xfrm>
+          <a:prstGeom prst="rect">
+            <a:avLst/>
+          </a:prstGeom>
+          <a:noFill/>
+        </p:spPr>
+        <p:txBody>
+          <a:bodyPr wrap="square" rtlCol="0">
+            <a:spAutoFit/>
+          </a:bodyPr>
+          <a:lstStyle/>
+          <a:p>
+            <a:pPr marL="342900" indent="-342900">
+              <a:buFont typeface="Arial" panose="020B0604020202020204" pitchFamily="34" charset="0"/>
+              <a:buChar char="•"/>
+            </a:pPr>
+            <a:r>
+              <a:rPr lang="en-CA" sz="2400" b="1" dirty="0"/>
+              <a:t>Enter </a:t>
+            </a:r>
+            <a:r>
+              <a:rPr lang="en-CA" sz="2400" b="1" dirty="0" err="1"/>
+              <a:t>web_app</a:t>
+            </a:r>
+            <a:r>
+              <a:rPr lang="en-CA" sz="2400" b="1" dirty="0"/>
+              <a:t>/</a:t>
+            </a:r>
+          </a:p>
+          <a:p>
+            <a:pPr marL="342900" indent="-342900">
+              <a:buFont typeface="Arial" panose="020B0604020202020204" pitchFamily="34" charset="0"/>
+              <a:buChar char="•"/>
+            </a:pPr>
+            <a:endParaRPr lang="en-CA" sz="2400" b="1" dirty="0"/>
+          </a:p>
+          <a:p>
+            <a:pPr marL="342900" indent="-342900">
+              <a:buFont typeface="Arial" panose="020B0604020202020204" pitchFamily="34" charset="0"/>
+              <a:buChar char="•"/>
+            </a:pPr>
+            <a:r>
+              <a:rPr lang="en-CA" sz="2400" b="1" dirty="0"/>
+              <a:t>Build the docker container</a:t>
+            </a:r>
+          </a:p>
+        </p:txBody>
+      </p:sp>
+    </p:spTree>
+    <p:custDataLst>
+      <p:tags r:id="rId1"/>
+    </p:custDataLst>
+    <p:extLst>
+      <p:ext uri="{BB962C8B-B14F-4D97-AF65-F5344CB8AC3E}">
+        <p14:creationId xmlns:p14="http://schemas.microsoft.com/office/powerpoint/2010/main" val="2551828519"/>
       </p:ext>
     </p:extLst>
   </p:cSld>
@@ -10864,6 +12366,1175 @@
     <p:extLst>
       <p:ext uri="{BB962C8B-B14F-4D97-AF65-F5344CB8AC3E}">
         <p14:creationId xmlns:p14="http://schemas.microsoft.com/office/powerpoint/2010/main" val="1656645177"/>
+      </p:ext>
+    </p:extLst>
+  </p:cSld>
+  <p:clrMapOvr>
+    <a:masterClrMapping/>
+  </p:clrMapOvr>
+</p:sld>
+</file>
+
+<file path=ppt/slides/slide20.xml><?xml version="1.0" encoding="utf-8"?>
+<p:sld xmlns:a="http://schemas.openxmlformats.org/drawingml/2006/main" xmlns:r="http://schemas.openxmlformats.org/officeDocument/2006/relationships" xmlns:p="http://schemas.openxmlformats.org/presentationml/2006/main">
+  <p:cSld>
+    <p:spTree>
+      <p:nvGrpSpPr>
+        <p:cNvPr id="1" name=""/>
+        <p:cNvGrpSpPr/>
+        <p:nvPr/>
+      </p:nvGrpSpPr>
+      <p:grpSpPr>
+        <a:xfrm>
+          <a:off x="0" y="0"/>
+          <a:ext cx="0" cy="0"/>
+          <a:chOff x="0" y="0"/>
+          <a:chExt cx="0" cy="0"/>
+        </a:xfrm>
+      </p:grpSpPr>
+      <p:cxnSp>
+        <p:nvCxnSpPr>
+          <p:cNvPr id="12" name="Gerade Verbindung 9">
+            <a:extLst>
+              <a:ext uri="{FF2B5EF4-FFF2-40B4-BE49-F238E27FC236}">
+                <a16:creationId xmlns:a16="http://schemas.microsoft.com/office/drawing/2014/main" id="{2DC01388-451E-EF48-A339-8052A110164F}"/>
+              </a:ext>
+            </a:extLst>
+          </p:cNvPr>
+          <p:cNvCxnSpPr/>
+          <p:nvPr/>
+        </p:nvCxnSpPr>
+        <p:spPr>
+          <a:xfrm>
+            <a:off x="0" y="1212112"/>
+            <a:ext cx="12192000" cy="0"/>
+          </a:xfrm>
+          <a:prstGeom prst="line">
+            <a:avLst/>
+          </a:prstGeom>
+          <a:ln w="12700">
+            <a:solidFill>
+              <a:schemeClr val="accent3">
+                <a:lumMod val="60000"/>
+                <a:lumOff val="40000"/>
+              </a:schemeClr>
+            </a:solidFill>
+          </a:ln>
+        </p:spPr>
+        <p:style>
+          <a:lnRef idx="1">
+            <a:schemeClr val="dk1"/>
+          </a:lnRef>
+          <a:fillRef idx="0">
+            <a:schemeClr val="dk1"/>
+          </a:fillRef>
+          <a:effectRef idx="0">
+            <a:schemeClr val="dk1"/>
+          </a:effectRef>
+          <a:fontRef idx="minor">
+            <a:schemeClr val="tx1"/>
+          </a:fontRef>
+        </p:style>
+      </p:cxnSp>
+      <p:cxnSp>
+        <p:nvCxnSpPr>
+          <p:cNvPr id="13" name="Gerade Verbindung 13">
+            <a:extLst>
+              <a:ext uri="{FF2B5EF4-FFF2-40B4-BE49-F238E27FC236}">
+                <a16:creationId xmlns:a16="http://schemas.microsoft.com/office/drawing/2014/main" id="{142D5D3A-75C7-6344-946C-A22BC05FD636}"/>
+              </a:ext>
+            </a:extLst>
+          </p:cNvPr>
+          <p:cNvCxnSpPr/>
+          <p:nvPr/>
+        </p:nvCxnSpPr>
+        <p:spPr>
+          <a:xfrm flipH="1">
+            <a:off x="0" y="6581553"/>
+            <a:ext cx="12192000" cy="0"/>
+          </a:xfrm>
+          <a:prstGeom prst="line">
+            <a:avLst/>
+          </a:prstGeom>
+          <a:ln w="12700">
+            <a:solidFill>
+              <a:schemeClr val="accent3">
+                <a:lumMod val="60000"/>
+                <a:lumOff val="40000"/>
+              </a:schemeClr>
+            </a:solidFill>
+          </a:ln>
+        </p:spPr>
+        <p:style>
+          <a:lnRef idx="1">
+            <a:schemeClr val="accent1"/>
+          </a:lnRef>
+          <a:fillRef idx="0">
+            <a:schemeClr val="accent1"/>
+          </a:fillRef>
+          <a:effectRef idx="0">
+            <a:schemeClr val="accent1"/>
+          </a:effectRef>
+          <a:fontRef idx="minor">
+            <a:schemeClr val="tx1"/>
+          </a:fontRef>
+        </p:style>
+      </p:cxnSp>
+      <p:sp>
+        <p:nvSpPr>
+          <p:cNvPr id="14" name="Fußzeilenplatzhalter 5">
+            <a:extLst>
+              <a:ext uri="{FF2B5EF4-FFF2-40B4-BE49-F238E27FC236}">
+                <a16:creationId xmlns:a16="http://schemas.microsoft.com/office/drawing/2014/main" id="{6DB9069D-7036-8747-9212-3E91ECD73263}"/>
+              </a:ext>
+            </a:extLst>
+          </p:cNvPr>
+          <p:cNvSpPr txBox="1">
+            <a:spLocks/>
+          </p:cNvSpPr>
+          <p:nvPr/>
+        </p:nvSpPr>
+        <p:spPr>
+          <a:xfrm>
+            <a:off x="0" y="6581553"/>
+            <a:ext cx="4114800" cy="365125"/>
+          </a:xfrm>
+          <a:prstGeom prst="rect">
+            <a:avLst/>
+          </a:prstGeom>
+        </p:spPr>
+        <p:txBody>
+          <a:bodyPr/>
+          <a:lstStyle>
+            <a:defPPr>
+              <a:defRPr lang="en-DE"/>
+            </a:defPPr>
+            <a:lvl1pPr marL="0" algn="l" defTabSz="914400" rtl="0" eaLnBrk="1" latinLnBrk="0" hangingPunct="1">
+              <a:defRPr sz="1800" kern="1200">
+                <a:solidFill>
+                  <a:schemeClr val="tx1"/>
+                </a:solidFill>
+                <a:latin typeface="+mn-lt"/>
+                <a:ea typeface="+mn-ea"/>
+                <a:cs typeface="+mn-cs"/>
+              </a:defRPr>
+            </a:lvl1pPr>
+            <a:lvl2pPr marL="457200" algn="l" defTabSz="914400" rtl="0" eaLnBrk="1" latinLnBrk="0" hangingPunct="1">
+              <a:defRPr sz="1800" kern="1200">
+                <a:solidFill>
+                  <a:schemeClr val="tx1"/>
+                </a:solidFill>
+                <a:latin typeface="+mn-lt"/>
+                <a:ea typeface="+mn-ea"/>
+                <a:cs typeface="+mn-cs"/>
+              </a:defRPr>
+            </a:lvl2pPr>
+            <a:lvl3pPr marL="914400" algn="l" defTabSz="914400" rtl="0" eaLnBrk="1" latinLnBrk="0" hangingPunct="1">
+              <a:defRPr sz="1800" kern="1200">
+                <a:solidFill>
+                  <a:schemeClr val="tx1"/>
+                </a:solidFill>
+                <a:latin typeface="+mn-lt"/>
+                <a:ea typeface="+mn-ea"/>
+                <a:cs typeface="+mn-cs"/>
+              </a:defRPr>
+            </a:lvl3pPr>
+            <a:lvl4pPr marL="1371600" algn="l" defTabSz="914400" rtl="0" eaLnBrk="1" latinLnBrk="0" hangingPunct="1">
+              <a:defRPr sz="1800" kern="1200">
+                <a:solidFill>
+                  <a:schemeClr val="tx1"/>
+                </a:solidFill>
+                <a:latin typeface="+mn-lt"/>
+                <a:ea typeface="+mn-ea"/>
+                <a:cs typeface="+mn-cs"/>
+              </a:defRPr>
+            </a:lvl4pPr>
+            <a:lvl5pPr marL="1828800" algn="l" defTabSz="914400" rtl="0" eaLnBrk="1" latinLnBrk="0" hangingPunct="1">
+              <a:defRPr sz="1800" kern="1200">
+                <a:solidFill>
+                  <a:schemeClr val="tx1"/>
+                </a:solidFill>
+                <a:latin typeface="+mn-lt"/>
+                <a:ea typeface="+mn-ea"/>
+                <a:cs typeface="+mn-cs"/>
+              </a:defRPr>
+            </a:lvl5pPr>
+            <a:lvl6pPr marL="2286000" algn="l" defTabSz="914400" rtl="0" eaLnBrk="1" latinLnBrk="0" hangingPunct="1">
+              <a:defRPr sz="1800" kern="1200">
+                <a:solidFill>
+                  <a:schemeClr val="tx1"/>
+                </a:solidFill>
+                <a:latin typeface="+mn-lt"/>
+                <a:ea typeface="+mn-ea"/>
+                <a:cs typeface="+mn-cs"/>
+              </a:defRPr>
+            </a:lvl6pPr>
+            <a:lvl7pPr marL="2743200" algn="l" defTabSz="914400" rtl="0" eaLnBrk="1" latinLnBrk="0" hangingPunct="1">
+              <a:defRPr sz="1800" kern="1200">
+                <a:solidFill>
+                  <a:schemeClr val="tx1"/>
+                </a:solidFill>
+                <a:latin typeface="+mn-lt"/>
+                <a:ea typeface="+mn-ea"/>
+                <a:cs typeface="+mn-cs"/>
+              </a:defRPr>
+            </a:lvl7pPr>
+            <a:lvl8pPr marL="3200400" algn="l" defTabSz="914400" rtl="0" eaLnBrk="1" latinLnBrk="0" hangingPunct="1">
+              <a:defRPr sz="1800" kern="1200">
+                <a:solidFill>
+                  <a:schemeClr val="tx1"/>
+                </a:solidFill>
+                <a:latin typeface="+mn-lt"/>
+                <a:ea typeface="+mn-ea"/>
+                <a:cs typeface="+mn-cs"/>
+              </a:defRPr>
+            </a:lvl8pPr>
+            <a:lvl9pPr marL="3657600" algn="l" defTabSz="914400" rtl="0" eaLnBrk="1" latinLnBrk="0" hangingPunct="1">
+              <a:defRPr sz="1800" kern="1200">
+                <a:solidFill>
+                  <a:schemeClr val="tx1"/>
+                </a:solidFill>
+                <a:latin typeface="+mn-lt"/>
+                <a:ea typeface="+mn-ea"/>
+                <a:cs typeface="+mn-cs"/>
+              </a:defRPr>
+            </a:lvl9pPr>
+          </a:lstStyle>
+          <a:p>
+            <a:r>
+              <a:rPr lang="de-DE" sz="1000" dirty="0" err="1">
+                <a:latin typeface="ZEISS Frutiger Next W1G" panose="020B0503040204020203" pitchFamily="34" charset="0"/>
+              </a:rPr>
+              <a:t>Hoyle</a:t>
+            </a:r>
+            <a:r>
+              <a:rPr lang="de-DE" sz="1000" dirty="0">
+                <a:latin typeface="ZEISS Frutiger Next W1G" panose="020B0503040204020203" pitchFamily="34" charset="0"/>
+              </a:rPr>
+              <a:t>: </a:t>
+            </a:r>
+            <a:r>
+              <a:rPr lang="de-DE" sz="1000" dirty="0" err="1">
+                <a:latin typeface="ZEISS Frutiger Next W1G" panose="020B0503040204020203" pitchFamily="34" charset="0"/>
+              </a:rPr>
+              <a:t>Bayesian</a:t>
+            </a:r>
+            <a:r>
+              <a:rPr lang="de-DE" sz="1000" dirty="0">
+                <a:latin typeface="ZEISS Frutiger Next W1G" panose="020B0503040204020203" pitchFamily="34" charset="0"/>
+              </a:rPr>
+              <a:t> </a:t>
+            </a:r>
+            <a:r>
+              <a:rPr lang="de-DE" sz="1000" dirty="0" err="1">
+                <a:latin typeface="ZEISS Frutiger Next W1G" panose="020B0503040204020203" pitchFamily="34" charset="0"/>
+              </a:rPr>
+              <a:t>Bandits</a:t>
+            </a:r>
+            <a:endParaRPr lang="de-DE" sz="1000" dirty="0">
+              <a:latin typeface="ZEISS Frutiger Next W1G" panose="020B0503040204020203" pitchFamily="34" charset="0"/>
+            </a:endParaRPr>
+          </a:p>
+        </p:txBody>
+      </p:sp>
+      <p:sp>
+        <p:nvSpPr>
+          <p:cNvPr id="15" name="Datumsplatzhalter 4">
+            <a:extLst>
+              <a:ext uri="{FF2B5EF4-FFF2-40B4-BE49-F238E27FC236}">
+                <a16:creationId xmlns:a16="http://schemas.microsoft.com/office/drawing/2014/main" id="{5D06E2D4-FBF6-EB41-80E8-BFD2EA7650F0}"/>
+              </a:ext>
+            </a:extLst>
+          </p:cNvPr>
+          <p:cNvSpPr txBox="1">
+            <a:spLocks/>
+          </p:cNvSpPr>
+          <p:nvPr/>
+        </p:nvSpPr>
+        <p:spPr>
+          <a:xfrm>
+            <a:off x="11207602" y="6601667"/>
+            <a:ext cx="1968796" cy="276448"/>
+          </a:xfrm>
+          <a:prstGeom prst="rect">
+            <a:avLst/>
+          </a:prstGeom>
+        </p:spPr>
+        <p:txBody>
+          <a:bodyPr/>
+          <a:lstStyle>
+            <a:defPPr>
+              <a:defRPr lang="en-DE"/>
+            </a:defPPr>
+            <a:lvl1pPr marL="0" algn="l" defTabSz="914400" rtl="0" eaLnBrk="1" latinLnBrk="0" hangingPunct="1">
+              <a:defRPr sz="1800" kern="1200">
+                <a:solidFill>
+                  <a:schemeClr val="tx1"/>
+                </a:solidFill>
+                <a:latin typeface="+mn-lt"/>
+                <a:ea typeface="+mn-ea"/>
+                <a:cs typeface="+mn-cs"/>
+              </a:defRPr>
+            </a:lvl1pPr>
+            <a:lvl2pPr marL="457200" algn="l" defTabSz="914400" rtl="0" eaLnBrk="1" latinLnBrk="0" hangingPunct="1">
+              <a:defRPr sz="1800" kern="1200">
+                <a:solidFill>
+                  <a:schemeClr val="tx1"/>
+                </a:solidFill>
+                <a:latin typeface="+mn-lt"/>
+                <a:ea typeface="+mn-ea"/>
+                <a:cs typeface="+mn-cs"/>
+              </a:defRPr>
+            </a:lvl2pPr>
+            <a:lvl3pPr marL="914400" algn="l" defTabSz="914400" rtl="0" eaLnBrk="1" latinLnBrk="0" hangingPunct="1">
+              <a:defRPr sz="1800" kern="1200">
+                <a:solidFill>
+                  <a:schemeClr val="tx1"/>
+                </a:solidFill>
+                <a:latin typeface="+mn-lt"/>
+                <a:ea typeface="+mn-ea"/>
+                <a:cs typeface="+mn-cs"/>
+              </a:defRPr>
+            </a:lvl3pPr>
+            <a:lvl4pPr marL="1371600" algn="l" defTabSz="914400" rtl="0" eaLnBrk="1" latinLnBrk="0" hangingPunct="1">
+              <a:defRPr sz="1800" kern="1200">
+                <a:solidFill>
+                  <a:schemeClr val="tx1"/>
+                </a:solidFill>
+                <a:latin typeface="+mn-lt"/>
+                <a:ea typeface="+mn-ea"/>
+                <a:cs typeface="+mn-cs"/>
+              </a:defRPr>
+            </a:lvl4pPr>
+            <a:lvl5pPr marL="1828800" algn="l" defTabSz="914400" rtl="0" eaLnBrk="1" latinLnBrk="0" hangingPunct="1">
+              <a:defRPr sz="1800" kern="1200">
+                <a:solidFill>
+                  <a:schemeClr val="tx1"/>
+                </a:solidFill>
+                <a:latin typeface="+mn-lt"/>
+                <a:ea typeface="+mn-ea"/>
+                <a:cs typeface="+mn-cs"/>
+              </a:defRPr>
+            </a:lvl5pPr>
+            <a:lvl6pPr marL="2286000" algn="l" defTabSz="914400" rtl="0" eaLnBrk="1" latinLnBrk="0" hangingPunct="1">
+              <a:defRPr sz="1800" kern="1200">
+                <a:solidFill>
+                  <a:schemeClr val="tx1"/>
+                </a:solidFill>
+                <a:latin typeface="+mn-lt"/>
+                <a:ea typeface="+mn-ea"/>
+                <a:cs typeface="+mn-cs"/>
+              </a:defRPr>
+            </a:lvl6pPr>
+            <a:lvl7pPr marL="2743200" algn="l" defTabSz="914400" rtl="0" eaLnBrk="1" latinLnBrk="0" hangingPunct="1">
+              <a:defRPr sz="1800" kern="1200">
+                <a:solidFill>
+                  <a:schemeClr val="tx1"/>
+                </a:solidFill>
+                <a:latin typeface="+mn-lt"/>
+                <a:ea typeface="+mn-ea"/>
+                <a:cs typeface="+mn-cs"/>
+              </a:defRPr>
+            </a:lvl7pPr>
+            <a:lvl8pPr marL="3200400" algn="l" defTabSz="914400" rtl="0" eaLnBrk="1" latinLnBrk="0" hangingPunct="1">
+              <a:defRPr sz="1800" kern="1200">
+                <a:solidFill>
+                  <a:schemeClr val="tx1"/>
+                </a:solidFill>
+                <a:latin typeface="+mn-lt"/>
+                <a:ea typeface="+mn-ea"/>
+                <a:cs typeface="+mn-cs"/>
+              </a:defRPr>
+            </a:lvl8pPr>
+            <a:lvl9pPr marL="3657600" algn="l" defTabSz="914400" rtl="0" eaLnBrk="1" latinLnBrk="0" hangingPunct="1">
+              <a:defRPr sz="1800" kern="1200">
+                <a:solidFill>
+                  <a:schemeClr val="tx1"/>
+                </a:solidFill>
+                <a:latin typeface="+mn-lt"/>
+                <a:ea typeface="+mn-ea"/>
+                <a:cs typeface="+mn-cs"/>
+              </a:defRPr>
+            </a:lvl9pPr>
+          </a:lstStyle>
+          <a:p>
+            <a:r>
+              <a:rPr lang="de-DE" sz="1000" dirty="0">
+                <a:latin typeface="ZEISS Frutiger Next W1G" panose="020B0503040204020203" pitchFamily="34" charset="0"/>
+              </a:rPr>
+              <a:t>12.Aug.20</a:t>
+            </a:r>
+          </a:p>
+        </p:txBody>
+      </p:sp>
+      <p:sp>
+        <p:nvSpPr>
+          <p:cNvPr id="2" name="TextBox 1">
+            <a:extLst>
+              <a:ext uri="{FF2B5EF4-FFF2-40B4-BE49-F238E27FC236}">
+                <a16:creationId xmlns:a16="http://schemas.microsoft.com/office/drawing/2014/main" id="{48CC89E0-C0F7-984C-A7FE-285FA7CC72AC}"/>
+              </a:ext>
+            </a:extLst>
+          </p:cNvPr>
+          <p:cNvSpPr txBox="1"/>
+          <p:nvPr/>
+        </p:nvSpPr>
+        <p:spPr>
+          <a:xfrm>
+            <a:off x="1202723" y="427284"/>
+            <a:ext cx="9530234" cy="523220"/>
+          </a:xfrm>
+          <a:prstGeom prst="rect">
+            <a:avLst/>
+          </a:prstGeom>
+          <a:noFill/>
+        </p:spPr>
+        <p:txBody>
+          <a:bodyPr wrap="square" rtlCol="0">
+            <a:spAutoFit/>
+          </a:bodyPr>
+          <a:lstStyle/>
+          <a:p>
+            <a:r>
+              <a:rPr lang="en-GB" sz="2800" dirty="0"/>
+              <a:t>Other classes of problems with similar PDF solutions</a:t>
+            </a:r>
+            <a:endParaRPr lang="en-DE" sz="2800" dirty="0"/>
+          </a:p>
+        </p:txBody>
+      </p:sp>
+      <p:sp>
+        <p:nvSpPr>
+          <p:cNvPr id="4" name="AutoShape 3" descr="p">
+            <a:extLst>
+              <a:ext uri="{FF2B5EF4-FFF2-40B4-BE49-F238E27FC236}">
+                <a16:creationId xmlns:a16="http://schemas.microsoft.com/office/drawing/2014/main" id="{4AB50021-ECF0-7E4E-B93D-5EBB5E75D2F5}"/>
+              </a:ext>
+            </a:extLst>
+          </p:cNvPr>
+          <p:cNvSpPr>
+            <a:spLocks noChangeAspect="1" noChangeArrowheads="1"/>
+          </p:cNvSpPr>
+          <p:nvPr/>
+        </p:nvSpPr>
+        <p:spPr bwMode="auto">
+          <a:xfrm>
+            <a:off x="4730750" y="-144463"/>
+            <a:ext cx="304800" cy="304801"/>
+          </a:xfrm>
+          <a:prstGeom prst="rect">
+            <a:avLst/>
+          </a:prstGeom>
+          <a:noFill/>
+          <a:extLst>
+            <a:ext uri="{909E8E84-426E-40DD-AFC4-6F175D3DCCD1}">
+              <a14:hiddenFill xmlns:a14="http://schemas.microsoft.com/office/drawing/2010/main">
+                <a:solidFill>
+                  <a:srgbClr val="FFFFFF"/>
+                </a:solidFill>
+              </a14:hiddenFill>
+            </a:ext>
+          </a:extLst>
+        </p:spPr>
+        <p:txBody>
+          <a:bodyPr vert="horz" wrap="square" lIns="91440" tIns="45720" rIns="91440" bIns="45720" numCol="1" anchor="t" anchorCtr="0" compatLnSpc="1">
+            <a:prstTxWarp prst="textNoShape">
+              <a:avLst/>
+            </a:prstTxWarp>
+          </a:bodyPr>
+          <a:lstStyle/>
+          <a:p>
+            <a:endParaRPr lang="en-DE"/>
+          </a:p>
+        </p:txBody>
+      </p:sp>
+      <p:sp>
+        <p:nvSpPr>
+          <p:cNvPr id="5" name="AutoShape 4" descr="{\displaystyle q=1-p}">
+            <a:extLst>
+              <a:ext uri="{FF2B5EF4-FFF2-40B4-BE49-F238E27FC236}">
+                <a16:creationId xmlns:a16="http://schemas.microsoft.com/office/drawing/2014/main" id="{009171E4-33AB-A94F-A95A-28366956FA4F}"/>
+              </a:ext>
+            </a:extLst>
+          </p:cNvPr>
+          <p:cNvSpPr>
+            <a:spLocks noChangeAspect="1" noChangeArrowheads="1"/>
+          </p:cNvSpPr>
+          <p:nvPr/>
+        </p:nvSpPr>
+        <p:spPr bwMode="auto">
+          <a:xfrm>
+            <a:off x="6935788" y="-144463"/>
+            <a:ext cx="304800" cy="304801"/>
+          </a:xfrm>
+          <a:prstGeom prst="rect">
+            <a:avLst/>
+          </a:prstGeom>
+          <a:noFill/>
+          <a:extLst>
+            <a:ext uri="{909E8E84-426E-40DD-AFC4-6F175D3DCCD1}">
+              <a14:hiddenFill xmlns:a14="http://schemas.microsoft.com/office/drawing/2010/main">
+                <a:solidFill>
+                  <a:srgbClr val="FFFFFF"/>
+                </a:solidFill>
+              </a14:hiddenFill>
+            </a:ext>
+          </a:extLst>
+        </p:spPr>
+        <p:txBody>
+          <a:bodyPr vert="horz" wrap="square" lIns="91440" tIns="45720" rIns="91440" bIns="45720" numCol="1" anchor="t" anchorCtr="0" compatLnSpc="1">
+            <a:prstTxWarp prst="textNoShape">
+              <a:avLst/>
+            </a:prstTxWarp>
+          </a:bodyPr>
+          <a:lstStyle/>
+          <a:p>
+            <a:endParaRPr lang="en-DE"/>
+          </a:p>
+        </p:txBody>
+      </p:sp>
+      <p:sp>
+        <p:nvSpPr>
+          <p:cNvPr id="16" name="TextBox 15">
+            <a:extLst>
+              <a:ext uri="{FF2B5EF4-FFF2-40B4-BE49-F238E27FC236}">
+                <a16:creationId xmlns:a16="http://schemas.microsoft.com/office/drawing/2014/main" id="{6551485A-1308-F544-8C09-8456232AF368}"/>
+              </a:ext>
+            </a:extLst>
+          </p:cNvPr>
+          <p:cNvSpPr txBox="1"/>
+          <p:nvPr/>
+        </p:nvSpPr>
+        <p:spPr>
+          <a:xfrm>
+            <a:off x="288323" y="1552400"/>
+            <a:ext cx="11359033" cy="1938992"/>
+          </a:xfrm>
+          <a:prstGeom prst="rect">
+            <a:avLst/>
+          </a:prstGeom>
+          <a:noFill/>
+        </p:spPr>
+        <p:txBody>
+          <a:bodyPr wrap="square" rtlCol="0">
+            <a:spAutoFit/>
+          </a:bodyPr>
+          <a:lstStyle/>
+          <a:p>
+            <a:r>
+              <a:rPr lang="en-CA" sz="2400" dirty="0"/>
+              <a:t>Checkout this link, and read about the different classes of problems that can be tackled with different PDF distribution choices. </a:t>
+            </a:r>
+          </a:p>
+          <a:p>
+            <a:pPr marL="800100" lvl="1" indent="-342900">
+              <a:buFont typeface="Arial" panose="020B0604020202020204" pitchFamily="34" charset="0"/>
+              <a:buChar char="•"/>
+            </a:pPr>
+            <a:r>
+              <a:rPr lang="en-CA" sz="2400" i="1" dirty="0"/>
+              <a:t>When should you use a Poisson distribution?</a:t>
+            </a:r>
+          </a:p>
+          <a:p>
+            <a:pPr marL="800100" lvl="1" indent="-342900">
+              <a:buFont typeface="Arial" panose="020B0604020202020204" pitchFamily="34" charset="0"/>
+              <a:buChar char="•"/>
+            </a:pPr>
+            <a:r>
+              <a:rPr lang="en-CA" sz="2400" i="1" dirty="0"/>
+              <a:t>When should you use the Normal distribution?</a:t>
+            </a:r>
+          </a:p>
+          <a:p>
+            <a:pPr marL="800100" lvl="1" indent="-342900">
+              <a:buFont typeface="Arial" panose="020B0604020202020204" pitchFamily="34" charset="0"/>
+              <a:buChar char="•"/>
+            </a:pPr>
+            <a:r>
+              <a:rPr lang="en-CA" sz="2400" i="1" dirty="0"/>
+              <a:t>When use other distributions?</a:t>
+            </a:r>
+          </a:p>
+        </p:txBody>
+      </p:sp>
+      <p:sp>
+        <p:nvSpPr>
+          <p:cNvPr id="3" name="Rectangle 2">
+            <a:extLst>
+              <a:ext uri="{FF2B5EF4-FFF2-40B4-BE49-F238E27FC236}">
+                <a16:creationId xmlns:a16="http://schemas.microsoft.com/office/drawing/2014/main" id="{4E6F67EB-0209-FB44-8387-303FA96D4EE5}"/>
+              </a:ext>
+            </a:extLst>
+          </p:cNvPr>
+          <p:cNvSpPr/>
+          <p:nvPr/>
+        </p:nvSpPr>
+        <p:spPr>
+          <a:xfrm>
+            <a:off x="2630563" y="3647013"/>
+            <a:ext cx="8102394" cy="369332"/>
+          </a:xfrm>
+          <a:prstGeom prst="rect">
+            <a:avLst/>
+          </a:prstGeom>
+        </p:spPr>
+        <p:txBody>
+          <a:bodyPr wrap="square">
+            <a:spAutoFit/>
+          </a:bodyPr>
+          <a:lstStyle/>
+          <a:p>
+            <a:r>
+              <a:rPr lang="en-DE" dirty="0">
+                <a:hlinkClick r:id="rId3"/>
+              </a:rPr>
+              <a:t>https://en.wikipedia.org/wiki/Conjugate_prior</a:t>
+            </a:r>
+            <a:r>
+              <a:rPr lang="en-DE" dirty="0"/>
+              <a:t> </a:t>
+            </a:r>
+          </a:p>
+        </p:txBody>
+      </p:sp>
+    </p:spTree>
+    <p:custDataLst>
+      <p:tags r:id="rId1"/>
+    </p:custDataLst>
+    <p:extLst>
+      <p:ext uri="{BB962C8B-B14F-4D97-AF65-F5344CB8AC3E}">
+        <p14:creationId xmlns:p14="http://schemas.microsoft.com/office/powerpoint/2010/main" val="3106754522"/>
+      </p:ext>
+    </p:extLst>
+  </p:cSld>
+  <p:clrMapOvr>
+    <a:masterClrMapping/>
+  </p:clrMapOvr>
+</p:sld>
+</file>
+
+<file path=ppt/slides/slide21.xml><?xml version="1.0" encoding="utf-8"?>
+<p:sld xmlns:a="http://schemas.openxmlformats.org/drawingml/2006/main" xmlns:r="http://schemas.openxmlformats.org/officeDocument/2006/relationships" xmlns:p="http://schemas.openxmlformats.org/presentationml/2006/main">
+  <p:cSld>
+    <p:spTree>
+      <p:nvGrpSpPr>
+        <p:cNvPr id="1" name=""/>
+        <p:cNvGrpSpPr/>
+        <p:nvPr/>
+      </p:nvGrpSpPr>
+      <p:grpSpPr>
+        <a:xfrm>
+          <a:off x="0" y="0"/>
+          <a:ext cx="0" cy="0"/>
+          <a:chOff x="0" y="0"/>
+          <a:chExt cx="0" cy="0"/>
+        </a:xfrm>
+      </p:grpSpPr>
+      <p:cxnSp>
+        <p:nvCxnSpPr>
+          <p:cNvPr id="12" name="Gerade Verbindung 9">
+            <a:extLst>
+              <a:ext uri="{FF2B5EF4-FFF2-40B4-BE49-F238E27FC236}">
+                <a16:creationId xmlns:a16="http://schemas.microsoft.com/office/drawing/2014/main" id="{2DC01388-451E-EF48-A339-8052A110164F}"/>
+              </a:ext>
+            </a:extLst>
+          </p:cNvPr>
+          <p:cNvCxnSpPr/>
+          <p:nvPr/>
+        </p:nvCxnSpPr>
+        <p:spPr>
+          <a:xfrm>
+            <a:off x="0" y="1212112"/>
+            <a:ext cx="12192000" cy="0"/>
+          </a:xfrm>
+          <a:prstGeom prst="line">
+            <a:avLst/>
+          </a:prstGeom>
+          <a:ln w="12700">
+            <a:solidFill>
+              <a:schemeClr val="accent3">
+                <a:lumMod val="60000"/>
+                <a:lumOff val="40000"/>
+              </a:schemeClr>
+            </a:solidFill>
+          </a:ln>
+        </p:spPr>
+        <p:style>
+          <a:lnRef idx="1">
+            <a:schemeClr val="dk1"/>
+          </a:lnRef>
+          <a:fillRef idx="0">
+            <a:schemeClr val="dk1"/>
+          </a:fillRef>
+          <a:effectRef idx="0">
+            <a:schemeClr val="dk1"/>
+          </a:effectRef>
+          <a:fontRef idx="minor">
+            <a:schemeClr val="tx1"/>
+          </a:fontRef>
+        </p:style>
+      </p:cxnSp>
+      <p:cxnSp>
+        <p:nvCxnSpPr>
+          <p:cNvPr id="13" name="Gerade Verbindung 13">
+            <a:extLst>
+              <a:ext uri="{FF2B5EF4-FFF2-40B4-BE49-F238E27FC236}">
+                <a16:creationId xmlns:a16="http://schemas.microsoft.com/office/drawing/2014/main" id="{142D5D3A-75C7-6344-946C-A22BC05FD636}"/>
+              </a:ext>
+            </a:extLst>
+          </p:cNvPr>
+          <p:cNvCxnSpPr/>
+          <p:nvPr/>
+        </p:nvCxnSpPr>
+        <p:spPr>
+          <a:xfrm flipH="1">
+            <a:off x="0" y="6581553"/>
+            <a:ext cx="12192000" cy="0"/>
+          </a:xfrm>
+          <a:prstGeom prst="line">
+            <a:avLst/>
+          </a:prstGeom>
+          <a:ln w="12700">
+            <a:solidFill>
+              <a:schemeClr val="accent3">
+                <a:lumMod val="60000"/>
+                <a:lumOff val="40000"/>
+              </a:schemeClr>
+            </a:solidFill>
+          </a:ln>
+        </p:spPr>
+        <p:style>
+          <a:lnRef idx="1">
+            <a:schemeClr val="accent1"/>
+          </a:lnRef>
+          <a:fillRef idx="0">
+            <a:schemeClr val="accent1"/>
+          </a:fillRef>
+          <a:effectRef idx="0">
+            <a:schemeClr val="accent1"/>
+          </a:effectRef>
+          <a:fontRef idx="minor">
+            <a:schemeClr val="tx1"/>
+          </a:fontRef>
+        </p:style>
+      </p:cxnSp>
+      <p:sp>
+        <p:nvSpPr>
+          <p:cNvPr id="14" name="Fußzeilenplatzhalter 5">
+            <a:extLst>
+              <a:ext uri="{FF2B5EF4-FFF2-40B4-BE49-F238E27FC236}">
+                <a16:creationId xmlns:a16="http://schemas.microsoft.com/office/drawing/2014/main" id="{6DB9069D-7036-8747-9212-3E91ECD73263}"/>
+              </a:ext>
+            </a:extLst>
+          </p:cNvPr>
+          <p:cNvSpPr txBox="1">
+            <a:spLocks/>
+          </p:cNvSpPr>
+          <p:nvPr/>
+        </p:nvSpPr>
+        <p:spPr>
+          <a:xfrm>
+            <a:off x="0" y="6581553"/>
+            <a:ext cx="4114800" cy="365125"/>
+          </a:xfrm>
+          <a:prstGeom prst="rect">
+            <a:avLst/>
+          </a:prstGeom>
+        </p:spPr>
+        <p:txBody>
+          <a:bodyPr/>
+          <a:lstStyle>
+            <a:defPPr>
+              <a:defRPr lang="en-DE"/>
+            </a:defPPr>
+            <a:lvl1pPr marL="0" algn="l" defTabSz="914400" rtl="0" eaLnBrk="1" latinLnBrk="0" hangingPunct="1">
+              <a:defRPr sz="1800" kern="1200">
+                <a:solidFill>
+                  <a:schemeClr val="tx1"/>
+                </a:solidFill>
+                <a:latin typeface="+mn-lt"/>
+                <a:ea typeface="+mn-ea"/>
+                <a:cs typeface="+mn-cs"/>
+              </a:defRPr>
+            </a:lvl1pPr>
+            <a:lvl2pPr marL="457200" algn="l" defTabSz="914400" rtl="0" eaLnBrk="1" latinLnBrk="0" hangingPunct="1">
+              <a:defRPr sz="1800" kern="1200">
+                <a:solidFill>
+                  <a:schemeClr val="tx1"/>
+                </a:solidFill>
+                <a:latin typeface="+mn-lt"/>
+                <a:ea typeface="+mn-ea"/>
+                <a:cs typeface="+mn-cs"/>
+              </a:defRPr>
+            </a:lvl2pPr>
+            <a:lvl3pPr marL="914400" algn="l" defTabSz="914400" rtl="0" eaLnBrk="1" latinLnBrk="0" hangingPunct="1">
+              <a:defRPr sz="1800" kern="1200">
+                <a:solidFill>
+                  <a:schemeClr val="tx1"/>
+                </a:solidFill>
+                <a:latin typeface="+mn-lt"/>
+                <a:ea typeface="+mn-ea"/>
+                <a:cs typeface="+mn-cs"/>
+              </a:defRPr>
+            </a:lvl3pPr>
+            <a:lvl4pPr marL="1371600" algn="l" defTabSz="914400" rtl="0" eaLnBrk="1" latinLnBrk="0" hangingPunct="1">
+              <a:defRPr sz="1800" kern="1200">
+                <a:solidFill>
+                  <a:schemeClr val="tx1"/>
+                </a:solidFill>
+                <a:latin typeface="+mn-lt"/>
+                <a:ea typeface="+mn-ea"/>
+                <a:cs typeface="+mn-cs"/>
+              </a:defRPr>
+            </a:lvl4pPr>
+            <a:lvl5pPr marL="1828800" algn="l" defTabSz="914400" rtl="0" eaLnBrk="1" latinLnBrk="0" hangingPunct="1">
+              <a:defRPr sz="1800" kern="1200">
+                <a:solidFill>
+                  <a:schemeClr val="tx1"/>
+                </a:solidFill>
+                <a:latin typeface="+mn-lt"/>
+                <a:ea typeface="+mn-ea"/>
+                <a:cs typeface="+mn-cs"/>
+              </a:defRPr>
+            </a:lvl5pPr>
+            <a:lvl6pPr marL="2286000" algn="l" defTabSz="914400" rtl="0" eaLnBrk="1" latinLnBrk="0" hangingPunct="1">
+              <a:defRPr sz="1800" kern="1200">
+                <a:solidFill>
+                  <a:schemeClr val="tx1"/>
+                </a:solidFill>
+                <a:latin typeface="+mn-lt"/>
+                <a:ea typeface="+mn-ea"/>
+                <a:cs typeface="+mn-cs"/>
+              </a:defRPr>
+            </a:lvl6pPr>
+            <a:lvl7pPr marL="2743200" algn="l" defTabSz="914400" rtl="0" eaLnBrk="1" latinLnBrk="0" hangingPunct="1">
+              <a:defRPr sz="1800" kern="1200">
+                <a:solidFill>
+                  <a:schemeClr val="tx1"/>
+                </a:solidFill>
+                <a:latin typeface="+mn-lt"/>
+                <a:ea typeface="+mn-ea"/>
+                <a:cs typeface="+mn-cs"/>
+              </a:defRPr>
+            </a:lvl7pPr>
+            <a:lvl8pPr marL="3200400" algn="l" defTabSz="914400" rtl="0" eaLnBrk="1" latinLnBrk="0" hangingPunct="1">
+              <a:defRPr sz="1800" kern="1200">
+                <a:solidFill>
+                  <a:schemeClr val="tx1"/>
+                </a:solidFill>
+                <a:latin typeface="+mn-lt"/>
+                <a:ea typeface="+mn-ea"/>
+                <a:cs typeface="+mn-cs"/>
+              </a:defRPr>
+            </a:lvl8pPr>
+            <a:lvl9pPr marL="3657600" algn="l" defTabSz="914400" rtl="0" eaLnBrk="1" latinLnBrk="0" hangingPunct="1">
+              <a:defRPr sz="1800" kern="1200">
+                <a:solidFill>
+                  <a:schemeClr val="tx1"/>
+                </a:solidFill>
+                <a:latin typeface="+mn-lt"/>
+                <a:ea typeface="+mn-ea"/>
+                <a:cs typeface="+mn-cs"/>
+              </a:defRPr>
+            </a:lvl9pPr>
+          </a:lstStyle>
+          <a:p>
+            <a:r>
+              <a:rPr lang="de-DE" sz="1000" dirty="0" err="1">
+                <a:latin typeface="ZEISS Frutiger Next W1G" panose="020B0503040204020203" pitchFamily="34" charset="0"/>
+              </a:rPr>
+              <a:t>Hoyle</a:t>
+            </a:r>
+            <a:r>
+              <a:rPr lang="de-DE" sz="1000" dirty="0">
+                <a:latin typeface="ZEISS Frutiger Next W1G" panose="020B0503040204020203" pitchFamily="34" charset="0"/>
+              </a:rPr>
+              <a:t>: </a:t>
+            </a:r>
+            <a:r>
+              <a:rPr lang="de-DE" sz="1000" dirty="0" err="1">
+                <a:latin typeface="ZEISS Frutiger Next W1G" panose="020B0503040204020203" pitchFamily="34" charset="0"/>
+              </a:rPr>
+              <a:t>Bayesian</a:t>
+            </a:r>
+            <a:r>
+              <a:rPr lang="de-DE" sz="1000" dirty="0">
+                <a:latin typeface="ZEISS Frutiger Next W1G" panose="020B0503040204020203" pitchFamily="34" charset="0"/>
+              </a:rPr>
+              <a:t> </a:t>
+            </a:r>
+            <a:r>
+              <a:rPr lang="de-DE" sz="1000" dirty="0" err="1">
+                <a:latin typeface="ZEISS Frutiger Next W1G" panose="020B0503040204020203" pitchFamily="34" charset="0"/>
+              </a:rPr>
+              <a:t>Bandits</a:t>
+            </a:r>
+            <a:endParaRPr lang="de-DE" sz="1000" dirty="0">
+              <a:latin typeface="ZEISS Frutiger Next W1G" panose="020B0503040204020203" pitchFamily="34" charset="0"/>
+            </a:endParaRPr>
+          </a:p>
+        </p:txBody>
+      </p:sp>
+      <p:sp>
+        <p:nvSpPr>
+          <p:cNvPr id="15" name="Datumsplatzhalter 4">
+            <a:extLst>
+              <a:ext uri="{FF2B5EF4-FFF2-40B4-BE49-F238E27FC236}">
+                <a16:creationId xmlns:a16="http://schemas.microsoft.com/office/drawing/2014/main" id="{5D06E2D4-FBF6-EB41-80E8-BFD2EA7650F0}"/>
+              </a:ext>
+            </a:extLst>
+          </p:cNvPr>
+          <p:cNvSpPr txBox="1">
+            <a:spLocks/>
+          </p:cNvSpPr>
+          <p:nvPr/>
+        </p:nvSpPr>
+        <p:spPr>
+          <a:xfrm>
+            <a:off x="11207602" y="6601667"/>
+            <a:ext cx="1968796" cy="276448"/>
+          </a:xfrm>
+          <a:prstGeom prst="rect">
+            <a:avLst/>
+          </a:prstGeom>
+        </p:spPr>
+        <p:txBody>
+          <a:bodyPr/>
+          <a:lstStyle>
+            <a:defPPr>
+              <a:defRPr lang="en-DE"/>
+            </a:defPPr>
+            <a:lvl1pPr marL="0" algn="l" defTabSz="914400" rtl="0" eaLnBrk="1" latinLnBrk="0" hangingPunct="1">
+              <a:defRPr sz="1800" kern="1200">
+                <a:solidFill>
+                  <a:schemeClr val="tx1"/>
+                </a:solidFill>
+                <a:latin typeface="+mn-lt"/>
+                <a:ea typeface="+mn-ea"/>
+                <a:cs typeface="+mn-cs"/>
+              </a:defRPr>
+            </a:lvl1pPr>
+            <a:lvl2pPr marL="457200" algn="l" defTabSz="914400" rtl="0" eaLnBrk="1" latinLnBrk="0" hangingPunct="1">
+              <a:defRPr sz="1800" kern="1200">
+                <a:solidFill>
+                  <a:schemeClr val="tx1"/>
+                </a:solidFill>
+                <a:latin typeface="+mn-lt"/>
+                <a:ea typeface="+mn-ea"/>
+                <a:cs typeface="+mn-cs"/>
+              </a:defRPr>
+            </a:lvl2pPr>
+            <a:lvl3pPr marL="914400" algn="l" defTabSz="914400" rtl="0" eaLnBrk="1" latinLnBrk="0" hangingPunct="1">
+              <a:defRPr sz="1800" kern="1200">
+                <a:solidFill>
+                  <a:schemeClr val="tx1"/>
+                </a:solidFill>
+                <a:latin typeface="+mn-lt"/>
+                <a:ea typeface="+mn-ea"/>
+                <a:cs typeface="+mn-cs"/>
+              </a:defRPr>
+            </a:lvl3pPr>
+            <a:lvl4pPr marL="1371600" algn="l" defTabSz="914400" rtl="0" eaLnBrk="1" latinLnBrk="0" hangingPunct="1">
+              <a:defRPr sz="1800" kern="1200">
+                <a:solidFill>
+                  <a:schemeClr val="tx1"/>
+                </a:solidFill>
+                <a:latin typeface="+mn-lt"/>
+                <a:ea typeface="+mn-ea"/>
+                <a:cs typeface="+mn-cs"/>
+              </a:defRPr>
+            </a:lvl4pPr>
+            <a:lvl5pPr marL="1828800" algn="l" defTabSz="914400" rtl="0" eaLnBrk="1" latinLnBrk="0" hangingPunct="1">
+              <a:defRPr sz="1800" kern="1200">
+                <a:solidFill>
+                  <a:schemeClr val="tx1"/>
+                </a:solidFill>
+                <a:latin typeface="+mn-lt"/>
+                <a:ea typeface="+mn-ea"/>
+                <a:cs typeface="+mn-cs"/>
+              </a:defRPr>
+            </a:lvl5pPr>
+            <a:lvl6pPr marL="2286000" algn="l" defTabSz="914400" rtl="0" eaLnBrk="1" latinLnBrk="0" hangingPunct="1">
+              <a:defRPr sz="1800" kern="1200">
+                <a:solidFill>
+                  <a:schemeClr val="tx1"/>
+                </a:solidFill>
+                <a:latin typeface="+mn-lt"/>
+                <a:ea typeface="+mn-ea"/>
+                <a:cs typeface="+mn-cs"/>
+              </a:defRPr>
+            </a:lvl6pPr>
+            <a:lvl7pPr marL="2743200" algn="l" defTabSz="914400" rtl="0" eaLnBrk="1" latinLnBrk="0" hangingPunct="1">
+              <a:defRPr sz="1800" kern="1200">
+                <a:solidFill>
+                  <a:schemeClr val="tx1"/>
+                </a:solidFill>
+                <a:latin typeface="+mn-lt"/>
+                <a:ea typeface="+mn-ea"/>
+                <a:cs typeface="+mn-cs"/>
+              </a:defRPr>
+            </a:lvl7pPr>
+            <a:lvl8pPr marL="3200400" algn="l" defTabSz="914400" rtl="0" eaLnBrk="1" latinLnBrk="0" hangingPunct="1">
+              <a:defRPr sz="1800" kern="1200">
+                <a:solidFill>
+                  <a:schemeClr val="tx1"/>
+                </a:solidFill>
+                <a:latin typeface="+mn-lt"/>
+                <a:ea typeface="+mn-ea"/>
+                <a:cs typeface="+mn-cs"/>
+              </a:defRPr>
+            </a:lvl8pPr>
+            <a:lvl9pPr marL="3657600" algn="l" defTabSz="914400" rtl="0" eaLnBrk="1" latinLnBrk="0" hangingPunct="1">
+              <a:defRPr sz="1800" kern="1200">
+                <a:solidFill>
+                  <a:schemeClr val="tx1"/>
+                </a:solidFill>
+                <a:latin typeface="+mn-lt"/>
+                <a:ea typeface="+mn-ea"/>
+                <a:cs typeface="+mn-cs"/>
+              </a:defRPr>
+            </a:lvl9pPr>
+          </a:lstStyle>
+          <a:p>
+            <a:r>
+              <a:rPr lang="de-DE" sz="1000" dirty="0">
+                <a:latin typeface="ZEISS Frutiger Next W1G" panose="020B0503040204020203" pitchFamily="34" charset="0"/>
+              </a:rPr>
+              <a:t>12.Aug.20</a:t>
+            </a:r>
+          </a:p>
+        </p:txBody>
+      </p:sp>
+      <p:sp>
+        <p:nvSpPr>
+          <p:cNvPr id="2" name="TextBox 1">
+            <a:extLst>
+              <a:ext uri="{FF2B5EF4-FFF2-40B4-BE49-F238E27FC236}">
+                <a16:creationId xmlns:a16="http://schemas.microsoft.com/office/drawing/2014/main" id="{48CC89E0-C0F7-984C-A7FE-285FA7CC72AC}"/>
+              </a:ext>
+            </a:extLst>
+          </p:cNvPr>
+          <p:cNvSpPr txBox="1"/>
+          <p:nvPr/>
+        </p:nvSpPr>
+        <p:spPr>
+          <a:xfrm>
+            <a:off x="1202724" y="427284"/>
+            <a:ext cx="5226908" cy="523220"/>
+          </a:xfrm>
+          <a:prstGeom prst="rect">
+            <a:avLst/>
+          </a:prstGeom>
+          <a:noFill/>
+        </p:spPr>
+        <p:txBody>
+          <a:bodyPr wrap="square" rtlCol="0">
+            <a:spAutoFit/>
+          </a:bodyPr>
+          <a:lstStyle/>
+          <a:p>
+            <a:r>
+              <a:rPr lang="en-DE" sz="2800" dirty="0"/>
+              <a:t>Summary</a:t>
+            </a:r>
+          </a:p>
+        </p:txBody>
+      </p:sp>
+      <p:sp>
+        <p:nvSpPr>
+          <p:cNvPr id="7" name="TextBox 6">
+            <a:extLst>
+              <a:ext uri="{FF2B5EF4-FFF2-40B4-BE49-F238E27FC236}">
+                <a16:creationId xmlns:a16="http://schemas.microsoft.com/office/drawing/2014/main" id="{4C66541B-1923-4D4D-9C5C-2BB118FBF220}"/>
+              </a:ext>
+            </a:extLst>
+          </p:cNvPr>
+          <p:cNvSpPr txBox="1"/>
+          <p:nvPr/>
+        </p:nvSpPr>
+        <p:spPr>
+          <a:xfrm>
+            <a:off x="1202723" y="1610497"/>
+            <a:ext cx="9350351" cy="2862322"/>
+          </a:xfrm>
+          <a:prstGeom prst="rect">
+            <a:avLst/>
+          </a:prstGeom>
+          <a:noFill/>
+        </p:spPr>
+        <p:txBody>
+          <a:bodyPr wrap="square" rtlCol="0">
+            <a:spAutoFit/>
+          </a:bodyPr>
+          <a:lstStyle/>
+          <a:p>
+            <a:r>
+              <a:rPr lang="en-DE" sz="2000" dirty="0"/>
+              <a:t>Bayeisan Bandit algorithms can be used to tackle a range of interesting problems.</a:t>
+            </a:r>
+          </a:p>
+          <a:p>
+            <a:endParaRPr lang="en-DE" sz="2000" dirty="0"/>
+          </a:p>
+          <a:p>
+            <a:r>
+              <a:rPr lang="en-DE" sz="2000" dirty="0"/>
+              <a:t>Even t</a:t>
+            </a:r>
+            <a:r>
+              <a:rPr lang="en-GB" sz="2000" dirty="0"/>
+              <a:t>he</a:t>
+            </a:r>
+            <a:r>
+              <a:rPr lang="en-DE" sz="2000" dirty="0"/>
+              <a:t> base algorithm is great! C</a:t>
+            </a:r>
+            <a:r>
+              <a:rPr lang="en-GB" sz="2000" dirty="0"/>
+              <a:t>h</a:t>
+            </a:r>
+            <a:r>
+              <a:rPr lang="en-DE" sz="2000" dirty="0"/>
+              <a:t>eck it out.</a:t>
+            </a:r>
+          </a:p>
+          <a:p>
+            <a:endParaRPr lang="en-DE" sz="2000" dirty="0"/>
+          </a:p>
+          <a:p>
+            <a:r>
+              <a:rPr lang="en-DE" sz="2000" dirty="0"/>
+              <a:t>An assumption about the shape of the PDF is required. </a:t>
+            </a:r>
+          </a:p>
+          <a:p>
+            <a:endParaRPr lang="en-DE" sz="2000" dirty="0"/>
+          </a:p>
+          <a:p>
+            <a:r>
+              <a:rPr lang="en-DE" sz="2000" dirty="0"/>
+              <a:t>Docker + flask + APIs make your life more stable!</a:t>
+            </a:r>
+          </a:p>
+          <a:p>
+            <a:endParaRPr lang="en-DE" sz="2000" dirty="0"/>
+          </a:p>
+          <a:p>
+            <a:r>
+              <a:rPr lang="en-DE" sz="2000" dirty="0"/>
+              <a:t>Internship opportunities at Carl Zeiss.</a:t>
+            </a:r>
+          </a:p>
+        </p:txBody>
+      </p:sp>
+    </p:spTree>
+    <p:custDataLst>
+      <p:tags r:id="rId1"/>
+    </p:custDataLst>
+    <p:extLst>
+      <p:ext uri="{BB962C8B-B14F-4D97-AF65-F5344CB8AC3E}">
+        <p14:creationId xmlns:p14="http://schemas.microsoft.com/office/powerpoint/2010/main" val="2687328211"/>
       </p:ext>
     </p:extLst>
   </p:cSld>
@@ -13069,8 +15740,8 @@
         </p:nvSpPr>
         <p:spPr>
           <a:xfrm>
-            <a:off x="1202724" y="1542342"/>
-            <a:ext cx="10989276" cy="3785652"/>
+            <a:off x="596556" y="1536174"/>
+            <a:ext cx="5833076" cy="3785652"/>
           </a:xfrm>
           <a:prstGeom prst="rect">
             <a:avLst/>
@@ -13091,7 +15762,7 @@
           <a:p>
             <a:r>
               <a:rPr lang="en-DE" sz="2000" dirty="0"/>
-              <a:t>Probabilities in real life.</a:t>
+              <a:t>Probabilities in everyday life.</a:t>
             </a:r>
           </a:p>
           <a:p>
@@ -13149,6 +15820,81 @@
             <a:r>
               <a:rPr lang="en-DE" sz="2000" dirty="0"/>
               <a:t>	Swagger	</a:t>
+            </a:r>
+          </a:p>
+        </p:txBody>
+      </p:sp>
+      <p:sp>
+        <p:nvSpPr>
+          <p:cNvPr id="8" name="TextBox 7">
+            <a:extLst>
+              <a:ext uri="{FF2B5EF4-FFF2-40B4-BE49-F238E27FC236}">
+                <a16:creationId xmlns:a16="http://schemas.microsoft.com/office/drawing/2014/main" id="{D1003833-A143-A34D-B80A-158B59759D3B}"/>
+              </a:ext>
+            </a:extLst>
+          </p:cNvPr>
+          <p:cNvSpPr txBox="1"/>
+          <p:nvPr/>
+        </p:nvSpPr>
+        <p:spPr>
+          <a:xfrm>
+            <a:off x="7022756" y="1553635"/>
+            <a:ext cx="5833076" cy="2246769"/>
+          </a:xfrm>
+          <a:prstGeom prst="rect">
+            <a:avLst/>
+          </a:prstGeom>
+          <a:noFill/>
+        </p:spPr>
+        <p:txBody>
+          <a:bodyPr wrap="square" rtlCol="0">
+            <a:spAutoFit/>
+          </a:bodyPr>
+          <a:lstStyle/>
+          <a:p>
+            <a:r>
+              <a:rPr lang="en-DE" sz="2000" b="1" dirty="0"/>
+              <a:t>Expected timeline</a:t>
+            </a:r>
+          </a:p>
+          <a:p>
+            <a:r>
+              <a:rPr lang="en-DE" sz="2000" dirty="0"/>
+              <a:t>5 min introduction</a:t>
+            </a:r>
+          </a:p>
+          <a:p>
+            <a:r>
+              <a:rPr lang="en-DE" sz="2000" dirty="0"/>
+              <a:t>15 min talk</a:t>
+            </a:r>
+          </a:p>
+          <a:p>
+            <a:r>
+              <a:rPr lang="en-DE" sz="2000" dirty="0"/>
+              <a:t>20 min Jupyter notebook</a:t>
+            </a:r>
+          </a:p>
+          <a:p>
+            <a:r>
+              <a:rPr lang="en-DE" sz="2000" dirty="0"/>
+              <a:t>15 min Docker container</a:t>
+            </a:r>
+          </a:p>
+          <a:p>
+            <a:r>
+              <a:rPr lang="en-DE" sz="2000"/>
+              <a:t>5 min </a:t>
+            </a:r>
+            <a:r>
+              <a:rPr lang="en-DE" sz="2000" dirty="0"/>
+              <a:t>API calls</a:t>
+            </a:r>
+          </a:p>
+          <a:p>
+            <a:r>
+              <a:rPr lang="en-DE" sz="2000" dirty="0"/>
+              <a:t>3 min summary</a:t>
             </a:r>
           </a:p>
         </p:txBody>
@@ -13611,7 +16357,7 @@
         <p:spPr>
           <a:xfrm>
             <a:off x="1124607" y="1212111"/>
-            <a:ext cx="11067393" cy="3477875"/>
+            <a:ext cx="11067393" cy="4401205"/>
           </a:xfrm>
           <a:prstGeom prst="rect">
             <a:avLst/>
@@ -13669,7 +16415,7 @@
             </a:r>
             <a:r>
               <a:rPr lang="en-DE" sz="2000" b="1" dirty="0"/>
-              <a:t>P(fair| information about the coin)</a:t>
+              <a:t>P(heads | information about the coin)</a:t>
             </a:r>
           </a:p>
           <a:p>
@@ -13705,6 +16451,15 @@
             <a:r>
               <a:rPr lang="en-DE" sz="2000" b="1" dirty="0"/>
               <a:t>P(better job| not doing a data science camp, other information)</a:t>
+            </a:r>
+          </a:p>
+          <a:p>
+            <a:endParaRPr lang="en-DE" sz="2000" b="1" dirty="0"/>
+          </a:p>
+          <a:p>
+            <a:r>
+              <a:rPr lang="en-DE" sz="2000" dirty="0"/>
+              <a:t>Rather than just estimating one number for a probability, it is better to describe our uncertainty of the probability using a probabaility distribution function. </a:t>
             </a:r>
           </a:p>
         </p:txBody>
@@ -14166,7 +16921,7 @@
         </p:nvSpPr>
         <p:spPr>
           <a:xfrm>
-            <a:off x="524657" y="1394100"/>
+            <a:off x="524654" y="1314086"/>
             <a:ext cx="10143344" cy="1583565"/>
           </a:xfrm>
           <a:prstGeom prst="rect">
@@ -14186,7 +16941,7 @@
             </a:r>
             <a:r>
               <a:rPr lang="en-DE" sz="2400" b="1" dirty="0"/>
-              <a:t>P(fair| information about the coin, information about coins)</a:t>
+              <a:t>P(heads| information about the coin, information about coins)</a:t>
             </a:r>
           </a:p>
           <a:p>
@@ -14225,13 +16980,18 @@
         </p:nvSpPr>
         <p:spPr>
           <a:xfrm>
-            <a:off x="524656" y="3024866"/>
+            <a:off x="524654" y="4232354"/>
             <a:ext cx="9966277" cy="2328773"/>
           </a:xfrm>
           <a:prstGeom prst="rect">
             <a:avLst/>
           </a:prstGeom>
-          <a:noFill/>
+          <a:solidFill>
+            <a:schemeClr val="tx2">
+              <a:lumMod val="20000"/>
+              <a:lumOff val="80000"/>
+            </a:schemeClr>
+          </a:solidFill>
         </p:spPr>
         <p:txBody>
           <a:bodyPr wrap="square" rtlCol="0">
@@ -14306,7 +17066,7 @@
         </p:nvSpPr>
         <p:spPr>
           <a:xfrm>
-            <a:off x="524656" y="5414860"/>
+            <a:off x="524654" y="2961859"/>
             <a:ext cx="9966277" cy="1210962"/>
           </a:xfrm>
           <a:prstGeom prst="rect">
@@ -14842,8 +17602,8 @@
         </p:blipFill>
         <p:spPr>
           <a:xfrm>
-            <a:off x="2903238" y="2810007"/>
-            <a:ext cx="5065764" cy="1204157"/>
+            <a:off x="3656613" y="2584241"/>
+            <a:ext cx="3568700" cy="848297"/>
           </a:xfrm>
           <a:prstGeom prst="rect">
             <a:avLst/>
@@ -14864,7 +17624,7 @@
         </p:nvSpPr>
         <p:spPr>
           <a:xfrm>
-            <a:off x="1731572" y="2235575"/>
+            <a:off x="2290372" y="2147778"/>
             <a:ext cx="4934941" cy="369332"/>
           </a:xfrm>
           <a:prstGeom prst="rect">
@@ -14904,7 +17664,7 @@
         </p:nvSpPr>
         <p:spPr>
           <a:xfrm>
-            <a:off x="802182" y="4076228"/>
+            <a:off x="620946" y="4076228"/>
             <a:ext cx="10950107" cy="1569660"/>
           </a:xfrm>
           <a:prstGeom prst="rect">
@@ -15029,6 +17789,24 @@
 <file path=ppt/tags/tag2.xml><?xml version="1.0" encoding="utf-8"?>
 <p:tagLst xmlns:a="http://schemas.openxmlformats.org/drawingml/2006/main" xmlns:r="http://schemas.openxmlformats.org/officeDocument/2006/relationships" xmlns:p="http://schemas.openxmlformats.org/presentationml/2006/main">
   <p:tag name="TWNOCDCHECK" val="-1"/>
+</p:tagLst>
+</file>
+
+<file path=ppt/tags/tag20.xml><?xml version="1.0" encoding="utf-8"?>
+<p:tagLst xmlns:a="http://schemas.openxmlformats.org/drawingml/2006/main" xmlns:r="http://schemas.openxmlformats.org/officeDocument/2006/relationships" xmlns:p="http://schemas.openxmlformats.org/presentationml/2006/main">
+  <p:tag name="ISTITLESLIDE" val="-1"/>
+</p:tagLst>
+</file>
+
+<file path=ppt/tags/tag21.xml><?xml version="1.0" encoding="utf-8"?>
+<p:tagLst xmlns:a="http://schemas.openxmlformats.org/drawingml/2006/main" xmlns:r="http://schemas.openxmlformats.org/officeDocument/2006/relationships" xmlns:p="http://schemas.openxmlformats.org/presentationml/2006/main">
+  <p:tag name="ISTITLESLIDE" val="-1"/>
+</p:tagLst>
+</file>
+
+<file path=ppt/tags/tag22.xml><?xml version="1.0" encoding="utf-8"?>
+<p:tagLst xmlns:a="http://schemas.openxmlformats.org/drawingml/2006/main" xmlns:r="http://schemas.openxmlformats.org/officeDocument/2006/relationships" xmlns:p="http://schemas.openxmlformats.org/presentationml/2006/main">
+  <p:tag name="ISTITLESLIDE" val="-1"/>
 </p:tagLst>
 </file>
 
